--- a/docs/diagrams/UiComponentClassDiagram.pptx
+++ b/docs/diagrams/UiComponentClassDiagram.pptx
@@ -208,7 +208,7 @@
           <a:p>
             <a:fld id="{F5CC4B3F-88C1-4FFA-B1B6-F41C21DC6924}" type="datetimeFigureOut">
               <a:rPr lang="en-US" smtClean="0"/>
-              <a:t>3/13/2018</a:t>
+              <a:t>3/26/2018</a:t>
             </a:fld>
             <a:endParaRPr lang="en-US"/>
           </a:p>
@@ -654,7 +654,7 @@
           <a:p>
             <a:fld id="{78C97017-6FC3-485B-9764-EAC9E56C1D49}" type="datetimeFigureOut">
               <a:rPr lang="en-US" smtClean="0"/>
-              <a:t>3/13/2018</a:t>
+              <a:t>3/26/2018</a:t>
             </a:fld>
             <a:endParaRPr lang="en-US"/>
           </a:p>
@@ -822,7 +822,7 @@
           <a:p>
             <a:fld id="{78C97017-6FC3-485B-9764-EAC9E56C1D49}" type="datetimeFigureOut">
               <a:rPr lang="en-US" smtClean="0"/>
-              <a:t>3/13/2018</a:t>
+              <a:t>3/26/2018</a:t>
             </a:fld>
             <a:endParaRPr lang="en-US"/>
           </a:p>
@@ -1000,7 +1000,7 @@
           <a:p>
             <a:fld id="{78C97017-6FC3-485B-9764-EAC9E56C1D49}" type="datetimeFigureOut">
               <a:rPr lang="en-US" smtClean="0"/>
-              <a:t>3/13/2018</a:t>
+              <a:t>3/26/2018</a:t>
             </a:fld>
             <a:endParaRPr lang="en-US"/>
           </a:p>
@@ -1168,7 +1168,7 @@
           <a:p>
             <a:fld id="{78C97017-6FC3-485B-9764-EAC9E56C1D49}" type="datetimeFigureOut">
               <a:rPr lang="en-US" smtClean="0"/>
-              <a:t>3/13/2018</a:t>
+              <a:t>3/26/2018</a:t>
             </a:fld>
             <a:endParaRPr lang="en-US"/>
           </a:p>
@@ -1413,7 +1413,7 @@
           <a:p>
             <a:fld id="{78C97017-6FC3-485B-9764-EAC9E56C1D49}" type="datetimeFigureOut">
               <a:rPr lang="en-US" smtClean="0"/>
-              <a:t>3/13/2018</a:t>
+              <a:t>3/26/2018</a:t>
             </a:fld>
             <a:endParaRPr lang="en-US"/>
           </a:p>
@@ -1698,7 +1698,7 @@
           <a:p>
             <a:fld id="{78C97017-6FC3-485B-9764-EAC9E56C1D49}" type="datetimeFigureOut">
               <a:rPr lang="en-US" smtClean="0"/>
-              <a:t>3/13/2018</a:t>
+              <a:t>3/26/2018</a:t>
             </a:fld>
             <a:endParaRPr lang="en-US"/>
           </a:p>
@@ -2117,7 +2117,7 @@
           <a:p>
             <a:fld id="{78C97017-6FC3-485B-9764-EAC9E56C1D49}" type="datetimeFigureOut">
               <a:rPr lang="en-US" smtClean="0"/>
-              <a:t>3/13/2018</a:t>
+              <a:t>3/26/2018</a:t>
             </a:fld>
             <a:endParaRPr lang="en-US"/>
           </a:p>
@@ -2234,7 +2234,7 @@
           <a:p>
             <a:fld id="{78C97017-6FC3-485B-9764-EAC9E56C1D49}" type="datetimeFigureOut">
               <a:rPr lang="en-US" smtClean="0"/>
-              <a:t>3/13/2018</a:t>
+              <a:t>3/26/2018</a:t>
             </a:fld>
             <a:endParaRPr lang="en-US"/>
           </a:p>
@@ -2329,7 +2329,7 @@
           <a:p>
             <a:fld id="{78C97017-6FC3-485B-9764-EAC9E56C1D49}" type="datetimeFigureOut">
               <a:rPr lang="en-US" smtClean="0"/>
-              <a:t>3/13/2018</a:t>
+              <a:t>3/26/2018</a:t>
             </a:fld>
             <a:endParaRPr lang="en-US"/>
           </a:p>
@@ -2604,7 +2604,7 @@
           <a:p>
             <a:fld id="{78C97017-6FC3-485B-9764-EAC9E56C1D49}" type="datetimeFigureOut">
               <a:rPr lang="en-US" smtClean="0"/>
-              <a:t>3/13/2018</a:t>
+              <a:t>3/26/2018</a:t>
             </a:fld>
             <a:endParaRPr lang="en-US"/>
           </a:p>
@@ -2856,7 +2856,7 @@
           <a:p>
             <a:fld id="{78C97017-6FC3-485B-9764-EAC9E56C1D49}" type="datetimeFigureOut">
               <a:rPr lang="en-US" smtClean="0"/>
-              <a:t>3/13/2018</a:t>
+              <a:t>3/26/2018</a:t>
             </a:fld>
             <a:endParaRPr lang="en-US"/>
           </a:p>
@@ -3067,7 +3067,7 @@
           <a:p>
             <a:fld id="{78C97017-6FC3-485B-9764-EAC9E56C1D49}" type="datetimeFigureOut">
               <a:rPr lang="en-US" smtClean="0"/>
-              <a:t>3/13/2018</a:t>
+              <a:t>3/26/2018</a:t>
             </a:fld>
             <a:endParaRPr lang="en-US"/>
           </a:p>
@@ -3450,8 +3450,8 @@
         </p:nvSpPr>
         <p:spPr>
           <a:xfrm>
-            <a:off x="1217465" y="1447800"/>
-            <a:ext cx="4917083" cy="3962400"/>
+            <a:off x="1217465" y="1447799"/>
+            <a:ext cx="4917083" cy="4267193"/>
           </a:xfrm>
           <a:prstGeom prst="roundRect">
             <a:avLst>
@@ -3886,7 +3886,7 @@
         <p:spPr>
           <a:xfrm>
             <a:off x="2592528" y="3649359"/>
-            <a:ext cx="1093635" cy="236841"/>
+            <a:ext cx="1192712" cy="253662"/>
           </a:xfrm>
           <a:prstGeom prst="rect">
             <a:avLst/>
@@ -3925,7 +3925,7 @@
                   </a:schemeClr>
                 </a:solidFill>
               </a:rPr>
-              <a:t>BrowserPanel</a:t>
+              <a:t>BookDetailsPanel</a:t>
             </a:r>
             <a:endParaRPr lang="en-SG" sz="1050" b="1" dirty="0">
               <a:solidFill>
@@ -3945,7 +3945,7 @@
         </p:nvSpPr>
         <p:spPr>
           <a:xfrm>
-            <a:off x="2592527" y="4563759"/>
+            <a:off x="2592527" y="4999718"/>
             <a:ext cx="1093635" cy="236841"/>
           </a:xfrm>
           <a:prstGeom prst="rect">
@@ -4065,7 +4065,7 @@
         </p:nvSpPr>
         <p:spPr>
           <a:xfrm>
-            <a:off x="3839323" y="4228801"/>
+            <a:off x="4369294" y="4209662"/>
             <a:ext cx="1040906" cy="236841"/>
           </a:xfrm>
           <a:prstGeom prst="rect">
@@ -4125,7 +4125,7 @@
         </p:nvSpPr>
         <p:spPr>
           <a:xfrm>
-            <a:off x="2592528" y="4966000"/>
+            <a:off x="2592528" y="5401959"/>
             <a:ext cx="1093635" cy="236841"/>
           </a:xfrm>
           <a:prstGeom prst="rect">
@@ -4330,6 +4330,7 @@
         <p:nvCxnSpPr>
           <p:cNvPr id="44" name="Elbow Connector 63"/>
           <p:cNvCxnSpPr>
+            <a:cxnSpLocks/>
             <a:stCxn id="39" idx="2"/>
             <a:endCxn id="34" idx="1"/>
           </p:cNvCxnSpPr>
@@ -4337,8 +4338,8 @@
         </p:nvCxnSpPr>
         <p:spPr>
           <a:xfrm rot="16200000" flipH="1">
-            <a:off x="2054450" y="3229701"/>
-            <a:ext cx="899755" cy="176402"/>
+            <a:off x="2050245" y="3233906"/>
+            <a:ext cx="908165" cy="176402"/>
           </a:xfrm>
           <a:prstGeom prst="bentConnector2">
             <a:avLst/>
@@ -4419,8 +4420,8 @@
         </p:nvCxnSpPr>
         <p:spPr>
           <a:xfrm rot="16200000" flipH="1">
-            <a:off x="1597249" y="3686901"/>
-            <a:ext cx="1814155" cy="176401"/>
+            <a:off x="1379269" y="3904881"/>
+            <a:ext cx="2250114" cy="176401"/>
           </a:xfrm>
           <a:prstGeom prst="bentConnector2">
             <a:avLst/>
@@ -4453,14 +4454,15 @@
         <p:nvCxnSpPr>
           <p:cNvPr id="53" name="Elbow Connector 63"/>
           <p:cNvCxnSpPr>
+            <a:cxnSpLocks/>
             <a:endCxn id="38" idx="1"/>
           </p:cNvCxnSpPr>
           <p:nvPr/>
         </p:nvCxnSpPr>
         <p:spPr>
           <a:xfrm rot="16200000" flipH="1">
-            <a:off x="1184119" y="3676012"/>
-            <a:ext cx="2396440" cy="420377"/>
+            <a:off x="984125" y="3911977"/>
+            <a:ext cx="2832400" cy="384406"/>
           </a:xfrm>
           <a:prstGeom prst="bentConnector2">
             <a:avLst/>
@@ -4620,8 +4622,8 @@
         </p:nvCxnSpPr>
         <p:spPr>
           <a:xfrm rot="5400000">
-            <a:off x="4174488" y="2991741"/>
-            <a:ext cx="2061222" cy="649740"/>
+            <a:off x="4449044" y="3247157"/>
+            <a:ext cx="2042083" cy="119769"/>
           </a:xfrm>
           <a:prstGeom prst="bentConnector2">
             <a:avLst/>
@@ -4654,6 +4656,7 @@
         <p:nvCxnSpPr>
           <p:cNvPr id="82" name="Elbow Connector 63"/>
           <p:cNvCxnSpPr>
+            <a:cxnSpLocks/>
             <a:stCxn id="16" idx="3"/>
             <a:endCxn id="34" idx="3"/>
           </p:cNvCxnSpPr>
@@ -4661,8 +4664,8 @@
         </p:nvCxnSpPr>
         <p:spPr>
           <a:xfrm rot="5400000">
-            <a:off x="3867176" y="2104987"/>
-            <a:ext cx="1481780" cy="1843806"/>
+            <a:off x="3912510" y="2158731"/>
+            <a:ext cx="1490190" cy="1744729"/>
           </a:xfrm>
           <a:prstGeom prst="bentConnector2">
             <a:avLst/>
@@ -4743,8 +4746,8 @@
         </p:nvCxnSpPr>
         <p:spPr>
           <a:xfrm rot="5400000">
-            <a:off x="3409976" y="2562187"/>
-            <a:ext cx="2396180" cy="1843807"/>
+            <a:off x="3191997" y="2780166"/>
+            <a:ext cx="2832139" cy="1843807"/>
           </a:xfrm>
           <a:prstGeom prst="bentConnector2">
             <a:avLst/>
@@ -4784,8 +4787,8 @@
         </p:nvCxnSpPr>
         <p:spPr>
           <a:xfrm rot="5400000">
-            <a:off x="3208856" y="2763307"/>
-            <a:ext cx="2798421" cy="1843806"/>
+            <a:off x="2990876" y="2981287"/>
+            <a:ext cx="3234380" cy="1843806"/>
           </a:xfrm>
           <a:prstGeom prst="bentConnector2">
             <a:avLst/>
@@ -5161,18 +5164,21 @@
         <p:nvCxnSpPr>
           <p:cNvPr id="137" name="Elbow Connector 136"/>
           <p:cNvCxnSpPr>
-            <a:stCxn id="36" idx="2"/>
+            <a:cxnSpLocks/>
+            <a:stCxn id="36" idx="3"/>
             <a:endCxn id="37" idx="1"/>
           </p:cNvCxnSpPr>
           <p:nvPr/>
         </p:nvCxnSpPr>
         <p:spPr>
-          <a:xfrm rot="16200000" flipH="1">
-            <a:off x="3430123" y="3938021"/>
-            <a:ext cx="118421" cy="699979"/>
-          </a:xfrm>
-          <a:prstGeom prst="bentConnector2">
-            <a:avLst/>
+          <a:xfrm>
+            <a:off x="3686161" y="4110381"/>
+            <a:ext cx="683133" cy="217702"/>
+          </a:xfrm>
+          <a:prstGeom prst="bentConnector3">
+            <a:avLst>
+              <a:gd name="adj1" fmla="val 50000"/>
+            </a:avLst>
           </a:prstGeom>
           <a:ln w="19050">
             <a:solidFill>
@@ -5435,8 +5441,8 @@
         </p:nvSpPr>
         <p:spPr>
           <a:xfrm flipV="1">
-            <a:off x="4114799" y="4472708"/>
-            <a:ext cx="2642195" cy="101600"/>
+            <a:off x="4800600" y="4480607"/>
+            <a:ext cx="1956394" cy="93700"/>
           </a:xfrm>
           <a:custGeom>
             <a:avLst/>
@@ -5509,6 +5515,334 @@
           </a:p>
         </p:txBody>
       </p:sp>
+      <p:sp>
+        <p:nvSpPr>
+          <p:cNvPr id="45" name="Rectangle 11">
+            <a:extLst>
+              <a:ext uri="{FF2B5EF4-FFF2-40B4-BE49-F238E27FC236}">
+                <a16:creationId xmlns:a16="http://schemas.microsoft.com/office/drawing/2014/main" id="{42828400-9B3F-4E66-9061-EFCF62E39DFA}"/>
+              </a:ext>
+            </a:extLst>
+          </p:cNvPr>
+          <p:cNvSpPr/>
+          <p:nvPr/>
+        </p:nvSpPr>
+        <p:spPr>
+          <a:xfrm>
+            <a:off x="2592525" y="4343033"/>
+            <a:ext cx="1316776" cy="231275"/>
+          </a:xfrm>
+          <a:prstGeom prst="rect">
+            <a:avLst/>
+          </a:prstGeom>
+          <a:ln w="19050">
+            <a:solidFill>
+              <a:schemeClr val="accent3"/>
+            </a:solidFill>
+          </a:ln>
+          <a:effectLst/>
+        </p:spPr>
+        <p:style>
+          <a:lnRef idx="1">
+            <a:schemeClr val="accent3"/>
+          </a:lnRef>
+          <a:fillRef idx="2">
+            <a:schemeClr val="accent3"/>
+          </a:fillRef>
+          <a:effectRef idx="1">
+            <a:schemeClr val="accent3"/>
+          </a:effectRef>
+          <a:fontRef idx="minor">
+            <a:schemeClr val="dk1"/>
+          </a:fontRef>
+        </p:style>
+        <p:txBody>
+          <a:bodyPr rtlCol="0" anchor="ctr"/>
+          <a:lstStyle/>
+          <a:p>
+            <a:pPr algn="ctr"/>
+            <a:r>
+              <a:rPr lang="en-US" sz="1050" b="1" dirty="0" err="1">
+                <a:solidFill>
+                  <a:schemeClr val="accent3">
+                    <a:lumMod val="75000"/>
+                  </a:schemeClr>
+                </a:solidFill>
+              </a:rPr>
+              <a:t>SearchResultsPanel</a:t>
+            </a:r>
+            <a:endParaRPr lang="en-SG" sz="1050" b="1" dirty="0">
+              <a:solidFill>
+                <a:schemeClr val="accent3">
+                  <a:lumMod val="75000"/>
+                </a:schemeClr>
+              </a:solidFill>
+            </a:endParaRPr>
+          </a:p>
+        </p:txBody>
+      </p:sp>
+      <p:sp>
+        <p:nvSpPr>
+          <p:cNvPr id="46" name="Rectangle 11">
+            <a:extLst>
+              <a:ext uri="{FF2B5EF4-FFF2-40B4-BE49-F238E27FC236}">
+                <a16:creationId xmlns:a16="http://schemas.microsoft.com/office/drawing/2014/main" id="{03AE126C-84F7-49A3-81DC-6A6CEF44648D}"/>
+              </a:ext>
+            </a:extLst>
+          </p:cNvPr>
+          <p:cNvSpPr/>
+          <p:nvPr/>
+        </p:nvSpPr>
+        <p:spPr>
+          <a:xfrm>
+            <a:off x="2592525" y="4657008"/>
+            <a:ext cx="1316776" cy="266518"/>
+          </a:xfrm>
+          <a:prstGeom prst="rect">
+            <a:avLst/>
+          </a:prstGeom>
+          <a:ln w="19050">
+            <a:solidFill>
+              <a:schemeClr val="accent3"/>
+            </a:solidFill>
+          </a:ln>
+          <a:effectLst/>
+        </p:spPr>
+        <p:style>
+          <a:lnRef idx="1">
+            <a:schemeClr val="accent3"/>
+          </a:lnRef>
+          <a:fillRef idx="2">
+            <a:schemeClr val="accent3"/>
+          </a:fillRef>
+          <a:effectRef idx="1">
+            <a:schemeClr val="accent3"/>
+          </a:effectRef>
+          <a:fontRef idx="minor">
+            <a:schemeClr val="dk1"/>
+          </a:fontRef>
+        </p:style>
+        <p:txBody>
+          <a:bodyPr rtlCol="0" anchor="ctr"/>
+          <a:lstStyle/>
+          <a:p>
+            <a:pPr algn="ctr"/>
+            <a:r>
+              <a:rPr lang="en-US" sz="1050" b="1" dirty="0" err="1">
+                <a:solidFill>
+                  <a:schemeClr val="accent3">
+                    <a:lumMod val="75000"/>
+                  </a:schemeClr>
+                </a:solidFill>
+              </a:rPr>
+              <a:t>RecentBooksPanel</a:t>
+            </a:r>
+            <a:endParaRPr lang="en-SG" sz="1050" b="1" dirty="0">
+              <a:solidFill>
+                <a:schemeClr val="accent3">
+                  <a:lumMod val="75000"/>
+                </a:schemeClr>
+              </a:solidFill>
+            </a:endParaRPr>
+          </a:p>
+        </p:txBody>
+      </p:sp>
+      <p:cxnSp>
+        <p:nvCxnSpPr>
+          <p:cNvPr id="48" name="Elbow Connector 63">
+            <a:extLst>
+              <a:ext uri="{FF2B5EF4-FFF2-40B4-BE49-F238E27FC236}">
+                <a16:creationId xmlns:a16="http://schemas.microsoft.com/office/drawing/2014/main" id="{335C5B4D-728B-4889-80E4-06606773AA1F}"/>
+              </a:ext>
+            </a:extLst>
+          </p:cNvPr>
+          <p:cNvCxnSpPr>
+            <a:cxnSpLocks/>
+            <a:stCxn id="39" idx="2"/>
+            <a:endCxn id="45" idx="1"/>
+          </p:cNvCxnSpPr>
+          <p:nvPr/>
+        </p:nvCxnSpPr>
+        <p:spPr>
+          <a:xfrm rot="16200000" flipH="1">
+            <a:off x="1709002" y="3575148"/>
+            <a:ext cx="1590646" cy="176399"/>
+          </a:xfrm>
+          <a:prstGeom prst="bentConnector2">
+            <a:avLst/>
+          </a:prstGeom>
+          <a:ln w="19050">
+            <a:solidFill>
+              <a:schemeClr val="accent3"/>
+            </a:solidFill>
+            <a:headEnd type="none" w="med" len="med"/>
+            <a:tailEnd type="arrow" w="med" len="med"/>
+          </a:ln>
+          <a:effectLst/>
+        </p:spPr>
+        <p:style>
+          <a:lnRef idx="1">
+            <a:schemeClr val="accent2"/>
+          </a:lnRef>
+          <a:fillRef idx="2">
+            <a:schemeClr val="accent2"/>
+          </a:fillRef>
+          <a:effectRef idx="1">
+            <a:schemeClr val="accent2"/>
+          </a:effectRef>
+          <a:fontRef idx="minor">
+            <a:schemeClr val="dk1"/>
+          </a:fontRef>
+        </p:style>
+      </p:cxnSp>
+      <p:cxnSp>
+        <p:nvCxnSpPr>
+          <p:cNvPr id="51" name="Elbow Connector 63">
+            <a:extLst>
+              <a:ext uri="{FF2B5EF4-FFF2-40B4-BE49-F238E27FC236}">
+                <a16:creationId xmlns:a16="http://schemas.microsoft.com/office/drawing/2014/main" id="{244CA2D4-345F-4797-9297-7ED3346EFE4F}"/>
+              </a:ext>
+            </a:extLst>
+          </p:cNvPr>
+          <p:cNvCxnSpPr>
+            <a:cxnSpLocks/>
+            <a:stCxn id="39" idx="2"/>
+            <a:endCxn id="46" idx="1"/>
+          </p:cNvCxnSpPr>
+          <p:nvPr/>
+        </p:nvCxnSpPr>
+        <p:spPr>
+          <a:xfrm rot="16200000" flipH="1">
+            <a:off x="1543204" y="3740946"/>
+            <a:ext cx="1922242" cy="176399"/>
+          </a:xfrm>
+          <a:prstGeom prst="bentConnector2">
+            <a:avLst/>
+          </a:prstGeom>
+          <a:ln w="19050">
+            <a:solidFill>
+              <a:schemeClr val="accent3"/>
+            </a:solidFill>
+            <a:headEnd type="none" w="med" len="med"/>
+            <a:tailEnd type="arrow" w="med" len="med"/>
+          </a:ln>
+          <a:effectLst/>
+        </p:spPr>
+        <p:style>
+          <a:lnRef idx="1">
+            <a:schemeClr val="accent2"/>
+          </a:lnRef>
+          <a:fillRef idx="2">
+            <a:schemeClr val="accent2"/>
+          </a:fillRef>
+          <a:effectRef idx="1">
+            <a:schemeClr val="accent2"/>
+          </a:effectRef>
+          <a:fontRef idx="minor">
+            <a:schemeClr val="dk1"/>
+          </a:fontRef>
+        </p:style>
+      </p:cxnSp>
+      <p:cxnSp>
+        <p:nvCxnSpPr>
+          <p:cNvPr id="55" name="Elbow Connector 136">
+            <a:extLst>
+              <a:ext uri="{FF2B5EF4-FFF2-40B4-BE49-F238E27FC236}">
+                <a16:creationId xmlns:a16="http://schemas.microsoft.com/office/drawing/2014/main" id="{3DCF24D0-0894-4BE4-A80E-DF7B7F4C578A}"/>
+              </a:ext>
+            </a:extLst>
+          </p:cNvPr>
+          <p:cNvCxnSpPr>
+            <a:cxnSpLocks/>
+            <a:stCxn id="45" idx="3"/>
+            <a:endCxn id="37" idx="1"/>
+          </p:cNvCxnSpPr>
+          <p:nvPr/>
+        </p:nvCxnSpPr>
+        <p:spPr>
+          <a:xfrm flipV="1">
+            <a:off x="3909301" y="4328083"/>
+            <a:ext cx="459993" cy="130588"/>
+          </a:xfrm>
+          <a:prstGeom prst="bentConnector3">
+            <a:avLst>
+              <a:gd name="adj1" fmla="val 50000"/>
+            </a:avLst>
+          </a:prstGeom>
+          <a:ln w="19050">
+            <a:solidFill>
+              <a:schemeClr val="accent3"/>
+            </a:solidFill>
+            <a:headEnd type="none" w="med" len="med"/>
+            <a:tailEnd type="arrow" w="med" len="med"/>
+          </a:ln>
+          <a:effectLst/>
+        </p:spPr>
+        <p:style>
+          <a:lnRef idx="1">
+            <a:schemeClr val="accent2"/>
+          </a:lnRef>
+          <a:fillRef idx="2">
+            <a:schemeClr val="accent2"/>
+          </a:fillRef>
+          <a:effectRef idx="1">
+            <a:schemeClr val="accent2"/>
+          </a:effectRef>
+          <a:fontRef idx="minor">
+            <a:schemeClr val="dk1"/>
+          </a:fontRef>
+        </p:style>
+      </p:cxnSp>
+      <p:cxnSp>
+        <p:nvCxnSpPr>
+          <p:cNvPr id="58" name="Elbow Connector 136">
+            <a:extLst>
+              <a:ext uri="{FF2B5EF4-FFF2-40B4-BE49-F238E27FC236}">
+                <a16:creationId xmlns:a16="http://schemas.microsoft.com/office/drawing/2014/main" id="{CF4E5FFD-B4BD-4853-88DF-2370934A81CC}"/>
+              </a:ext>
+            </a:extLst>
+          </p:cNvPr>
+          <p:cNvCxnSpPr>
+            <a:cxnSpLocks/>
+            <a:stCxn id="46" idx="3"/>
+            <a:endCxn id="37" idx="1"/>
+          </p:cNvCxnSpPr>
+          <p:nvPr/>
+        </p:nvCxnSpPr>
+        <p:spPr>
+          <a:xfrm flipV="1">
+            <a:off x="3909301" y="4328083"/>
+            <a:ext cx="459993" cy="462184"/>
+          </a:xfrm>
+          <a:prstGeom prst="bentConnector3">
+            <a:avLst>
+              <a:gd name="adj1" fmla="val 50000"/>
+            </a:avLst>
+          </a:prstGeom>
+          <a:ln w="19050">
+            <a:solidFill>
+              <a:schemeClr val="accent3"/>
+            </a:solidFill>
+            <a:headEnd type="none" w="med" len="med"/>
+            <a:tailEnd type="arrow" w="med" len="med"/>
+          </a:ln>
+          <a:effectLst/>
+        </p:spPr>
+        <p:style>
+          <a:lnRef idx="1">
+            <a:schemeClr val="accent2"/>
+          </a:lnRef>
+          <a:fillRef idx="2">
+            <a:schemeClr val="accent2"/>
+          </a:fillRef>
+          <a:effectRef idx="1">
+            <a:schemeClr val="accent2"/>
+          </a:effectRef>
+          <a:fontRef idx="minor">
+            <a:schemeClr val="dk1"/>
+          </a:fontRef>
+        </p:style>
+      </p:cxnSp>
     </p:spTree>
     <p:extLst>
       <p:ext uri="{BB962C8B-B14F-4D97-AF65-F5344CB8AC3E}">

--- a/docs/diagrams/UiComponentClassDiagram.pptx
+++ b/docs/diagrams/UiComponentClassDiagram.pptx
@@ -208,7 +208,7 @@
           <a:p>
             <a:fld id="{F5CC4B3F-88C1-4FFA-B1B6-F41C21DC6924}" type="datetimeFigureOut">
               <a:rPr lang="en-US" smtClean="0"/>
-              <a:t>3/26/2018</a:t>
+              <a:t>4/10/2018</a:t>
             </a:fld>
             <a:endParaRPr lang="en-US"/>
           </a:p>
@@ -654,7 +654,7 @@
           <a:p>
             <a:fld id="{78C97017-6FC3-485B-9764-EAC9E56C1D49}" type="datetimeFigureOut">
               <a:rPr lang="en-US" smtClean="0"/>
-              <a:t>3/26/2018</a:t>
+              <a:t>4/10/2018</a:t>
             </a:fld>
             <a:endParaRPr lang="en-US"/>
           </a:p>
@@ -822,7 +822,7 @@
           <a:p>
             <a:fld id="{78C97017-6FC3-485B-9764-EAC9E56C1D49}" type="datetimeFigureOut">
               <a:rPr lang="en-US" smtClean="0"/>
-              <a:t>3/26/2018</a:t>
+              <a:t>4/10/2018</a:t>
             </a:fld>
             <a:endParaRPr lang="en-US"/>
           </a:p>
@@ -1000,7 +1000,7 @@
           <a:p>
             <a:fld id="{78C97017-6FC3-485B-9764-EAC9E56C1D49}" type="datetimeFigureOut">
               <a:rPr lang="en-US" smtClean="0"/>
-              <a:t>3/26/2018</a:t>
+              <a:t>4/10/2018</a:t>
             </a:fld>
             <a:endParaRPr lang="en-US"/>
           </a:p>
@@ -1168,7 +1168,7 @@
           <a:p>
             <a:fld id="{78C97017-6FC3-485B-9764-EAC9E56C1D49}" type="datetimeFigureOut">
               <a:rPr lang="en-US" smtClean="0"/>
-              <a:t>3/26/2018</a:t>
+              <a:t>4/10/2018</a:t>
             </a:fld>
             <a:endParaRPr lang="en-US"/>
           </a:p>
@@ -1413,7 +1413,7 @@
           <a:p>
             <a:fld id="{78C97017-6FC3-485B-9764-EAC9E56C1D49}" type="datetimeFigureOut">
               <a:rPr lang="en-US" smtClean="0"/>
-              <a:t>3/26/2018</a:t>
+              <a:t>4/10/2018</a:t>
             </a:fld>
             <a:endParaRPr lang="en-US"/>
           </a:p>
@@ -1698,7 +1698,7 @@
           <a:p>
             <a:fld id="{78C97017-6FC3-485B-9764-EAC9E56C1D49}" type="datetimeFigureOut">
               <a:rPr lang="en-US" smtClean="0"/>
-              <a:t>3/26/2018</a:t>
+              <a:t>4/10/2018</a:t>
             </a:fld>
             <a:endParaRPr lang="en-US"/>
           </a:p>
@@ -2117,7 +2117,7 @@
           <a:p>
             <a:fld id="{78C97017-6FC3-485B-9764-EAC9E56C1D49}" type="datetimeFigureOut">
               <a:rPr lang="en-US" smtClean="0"/>
-              <a:t>3/26/2018</a:t>
+              <a:t>4/10/2018</a:t>
             </a:fld>
             <a:endParaRPr lang="en-US"/>
           </a:p>
@@ -2234,7 +2234,7 @@
           <a:p>
             <a:fld id="{78C97017-6FC3-485B-9764-EAC9E56C1D49}" type="datetimeFigureOut">
               <a:rPr lang="en-US" smtClean="0"/>
-              <a:t>3/26/2018</a:t>
+              <a:t>4/10/2018</a:t>
             </a:fld>
             <a:endParaRPr lang="en-US"/>
           </a:p>
@@ -2329,7 +2329,7 @@
           <a:p>
             <a:fld id="{78C97017-6FC3-485B-9764-EAC9E56C1D49}" type="datetimeFigureOut">
               <a:rPr lang="en-US" smtClean="0"/>
-              <a:t>3/26/2018</a:t>
+              <a:t>4/10/2018</a:t>
             </a:fld>
             <a:endParaRPr lang="en-US"/>
           </a:p>
@@ -2604,7 +2604,7 @@
           <a:p>
             <a:fld id="{78C97017-6FC3-485B-9764-EAC9E56C1D49}" type="datetimeFigureOut">
               <a:rPr lang="en-US" smtClean="0"/>
-              <a:t>3/26/2018</a:t>
+              <a:t>4/10/2018</a:t>
             </a:fld>
             <a:endParaRPr lang="en-US"/>
           </a:p>
@@ -2856,7 +2856,7 @@
           <a:p>
             <a:fld id="{78C97017-6FC3-485B-9764-EAC9E56C1D49}" type="datetimeFigureOut">
               <a:rPr lang="en-US" smtClean="0"/>
-              <a:t>3/26/2018</a:t>
+              <a:t>4/10/2018</a:t>
             </a:fld>
             <a:endParaRPr lang="en-US"/>
           </a:p>
@@ -3067,7 +3067,7 @@
           <a:p>
             <a:fld id="{78C97017-6FC3-485B-9764-EAC9E56C1D49}" type="datetimeFigureOut">
               <a:rPr lang="en-US" smtClean="0"/>
-              <a:t>3/26/2018</a:t>
+              <a:t>4/10/2018</a:t>
             </a:fld>
             <a:endParaRPr lang="en-US"/>
           </a:p>
@@ -3450,8 +3450,8 @@
         </p:nvSpPr>
         <p:spPr>
           <a:xfrm>
-            <a:off x="1217465" y="1447799"/>
-            <a:ext cx="4917083" cy="4267193"/>
+            <a:off x="1143000" y="609599"/>
+            <a:ext cx="4917083" cy="5638799"/>
           </a:xfrm>
           <a:prstGeom prst="roundRect">
             <a:avLst>
@@ -3512,7 +3512,7 @@
         </p:nvSpPr>
         <p:spPr>
           <a:xfrm>
-            <a:off x="2095948" y="2341220"/>
+            <a:off x="2021483" y="1503021"/>
             <a:ext cx="1093635" cy="346760"/>
           </a:xfrm>
           <a:prstGeom prst="rect">
@@ -3572,7 +3572,7 @@
         </p:nvSpPr>
         <p:spPr>
           <a:xfrm>
-            <a:off x="2592528" y="2971800"/>
+            <a:off x="2518063" y="2133601"/>
             <a:ext cx="1093635" cy="236841"/>
           </a:xfrm>
           <a:prstGeom prst="rect">
@@ -3632,7 +3632,7 @@
         </p:nvSpPr>
         <p:spPr>
           <a:xfrm>
-            <a:off x="2092842" y="1770924"/>
+            <a:off x="2018377" y="932725"/>
             <a:ext cx="1093635" cy="346760"/>
           </a:xfrm>
           <a:prstGeom prst="rect">
@@ -3694,7 +3694,7 @@
         </p:nvCxnSpPr>
         <p:spPr>
           <a:xfrm rot="16200000" flipH="1">
-            <a:off x="2529445" y="2227899"/>
+            <a:off x="2454980" y="1389700"/>
             <a:ext cx="223536" cy="3106"/>
           </a:xfrm>
           <a:prstGeom prst="bentConnector3">
@@ -3734,7 +3734,7 @@
         </p:nvSpPr>
         <p:spPr>
           <a:xfrm rot="10800000" flipV="1">
-            <a:off x="5394717" y="2110477"/>
+            <a:off x="5520696" y="1272278"/>
             <a:ext cx="270504" cy="175523"/>
           </a:xfrm>
           <a:prstGeom prst="triangle">
@@ -3782,7 +3782,7 @@
         </p:nvCxnSpPr>
         <p:spPr>
           <a:xfrm flipV="1">
-            <a:off x="644735" y="2991937"/>
+            <a:off x="570270" y="2153738"/>
             <a:ext cx="684904" cy="1"/>
           </a:xfrm>
           <a:prstGeom prst="bentConnector3">
@@ -3825,7 +3825,7 @@
         </p:nvSpPr>
         <p:spPr>
           <a:xfrm rot="16200000">
-            <a:off x="5703829" y="2464877"/>
+            <a:off x="5629364" y="1626678"/>
             <a:ext cx="2362201" cy="328045"/>
           </a:xfrm>
           <a:prstGeom prst="roundRect">
@@ -3885,7 +3885,7 @@
         </p:nvSpPr>
         <p:spPr>
           <a:xfrm>
-            <a:off x="2592528" y="3649359"/>
+            <a:off x="2518063" y="3091615"/>
             <a:ext cx="1192712" cy="253662"/>
           </a:xfrm>
           <a:prstGeom prst="rect">
@@ -3945,7 +3945,7 @@
         </p:nvSpPr>
         <p:spPr>
           <a:xfrm>
-            <a:off x="2592527" y="4999718"/>
+            <a:off x="2518062" y="5533118"/>
             <a:ext cx="1093635" cy="236841"/>
           </a:xfrm>
           <a:prstGeom prst="rect">
@@ -4005,7 +4005,7 @@
         </p:nvSpPr>
         <p:spPr>
           <a:xfrm>
-            <a:off x="2592526" y="3991960"/>
+            <a:off x="2518061" y="4506221"/>
             <a:ext cx="1093635" cy="236841"/>
           </a:xfrm>
           <a:prstGeom prst="rect">
@@ -4065,7 +4065,7 @@
         </p:nvSpPr>
         <p:spPr>
           <a:xfrm>
-            <a:off x="4369294" y="4209662"/>
+            <a:off x="4294829" y="4868631"/>
             <a:ext cx="1040906" cy="236841"/>
           </a:xfrm>
           <a:prstGeom prst="rect">
@@ -4125,7 +4125,7 @@
         </p:nvSpPr>
         <p:spPr>
           <a:xfrm>
-            <a:off x="2592528" y="5401959"/>
+            <a:off x="2518063" y="5935359"/>
             <a:ext cx="1093635" cy="236841"/>
           </a:xfrm>
           <a:prstGeom prst="rect">
@@ -4185,7 +4185,7 @@
         </p:nvSpPr>
         <p:spPr>
           <a:xfrm>
-            <a:off x="2324548" y="2706452"/>
+            <a:off x="2250083" y="1868253"/>
             <a:ext cx="183156" cy="161573"/>
           </a:xfrm>
           <a:prstGeom prst="flowChartDecision">
@@ -4236,7 +4236,7 @@
         </p:nvCxnSpPr>
         <p:spPr>
           <a:xfrm rot="16200000" flipH="1">
-            <a:off x="2393229" y="2890922"/>
+            <a:off x="2318764" y="2052723"/>
             <a:ext cx="222196" cy="176402"/>
           </a:xfrm>
           <a:prstGeom prst="bentConnector2">
@@ -4274,7 +4274,7 @@
         </p:nvSpPr>
         <p:spPr>
           <a:xfrm>
-            <a:off x="2590799" y="3304308"/>
+            <a:off x="2516334" y="2466109"/>
             <a:ext cx="1095361" cy="236841"/>
           </a:xfrm>
           <a:prstGeom prst="rect">
@@ -4338,8 +4338,8 @@
         </p:nvCxnSpPr>
         <p:spPr>
           <a:xfrm rot="16200000" flipH="1">
-            <a:off x="2050245" y="3233906"/>
-            <a:ext cx="908165" cy="176402"/>
+            <a:off x="1835552" y="2535935"/>
+            <a:ext cx="1188620" cy="176402"/>
           </a:xfrm>
           <a:prstGeom prst="bentConnector2">
             <a:avLst/>
@@ -4379,8 +4379,8 @@
         </p:nvCxnSpPr>
         <p:spPr>
           <a:xfrm rot="16200000" flipH="1">
-            <a:off x="1883148" y="3401003"/>
-            <a:ext cx="1242356" cy="176400"/>
+            <a:off x="1132453" y="3239034"/>
+            <a:ext cx="2594816" cy="176400"/>
           </a:xfrm>
           <a:prstGeom prst="bentConnector2">
             <a:avLst/>
@@ -4420,8 +4420,8 @@
         </p:nvCxnSpPr>
         <p:spPr>
           <a:xfrm rot="16200000" flipH="1">
-            <a:off x="1379269" y="3904881"/>
-            <a:ext cx="2250114" cy="176401"/>
+            <a:off x="619005" y="3752481"/>
+            <a:ext cx="3621713" cy="176401"/>
           </a:xfrm>
           <a:prstGeom prst="bentConnector2">
             <a:avLst/>
@@ -4461,8 +4461,8 @@
         </p:nvCxnSpPr>
         <p:spPr>
           <a:xfrm rot="16200000" flipH="1">
-            <a:off x="984125" y="3911977"/>
-            <a:ext cx="2832400" cy="384406"/>
+            <a:off x="213132" y="3748848"/>
+            <a:ext cx="4203999" cy="405863"/>
           </a:xfrm>
           <a:prstGeom prst="bentConnector2">
             <a:avLst/>
@@ -4499,7 +4499,7 @@
         </p:nvSpPr>
         <p:spPr>
           <a:xfrm>
-            <a:off x="5143948" y="1770924"/>
+            <a:off x="5247757" y="932725"/>
             <a:ext cx="772043" cy="346760"/>
           </a:xfrm>
           <a:prstGeom prst="rect">
@@ -4581,8 +4581,8 @@
         </p:nvCxnSpPr>
         <p:spPr>
           <a:xfrm flipV="1">
-            <a:off x="3686160" y="2286000"/>
-            <a:ext cx="1843809" cy="1136729"/>
+            <a:off x="3611695" y="1447801"/>
+            <a:ext cx="2044253" cy="1136729"/>
           </a:xfrm>
           <a:prstGeom prst="bentConnector2">
             <a:avLst/>
@@ -4622,8 +4622,8 @@
         </p:nvCxnSpPr>
         <p:spPr>
           <a:xfrm rot="5400000">
-            <a:off x="4449044" y="3247157"/>
-            <a:ext cx="2042083" cy="119769"/>
+            <a:off x="3726217" y="3057320"/>
+            <a:ext cx="3539251" cy="320213"/>
           </a:xfrm>
           <a:prstGeom prst="bentConnector2">
             <a:avLst/>
@@ -4658,55 +4658,14 @@
           <p:cNvCxnSpPr>
             <a:cxnSpLocks/>
             <a:stCxn id="16" idx="3"/>
-            <a:endCxn id="34" idx="3"/>
+            <a:endCxn id="3" idx="3"/>
           </p:cNvCxnSpPr>
           <p:nvPr/>
         </p:nvCxnSpPr>
         <p:spPr>
           <a:xfrm rot="5400000">
-            <a:off x="3912510" y="2158731"/>
-            <a:ext cx="1490190" cy="1744729"/>
-          </a:xfrm>
-          <a:prstGeom prst="bentConnector2">
-            <a:avLst/>
-          </a:prstGeom>
-          <a:ln w="6350">
-            <a:solidFill>
-              <a:schemeClr val="accent3"/>
-            </a:solidFill>
-            <a:headEnd type="none" w="med" len="med"/>
-            <a:tailEnd type="none" w="med" len="med"/>
-          </a:ln>
-          <a:effectLst/>
-        </p:spPr>
-        <p:style>
-          <a:lnRef idx="1">
-            <a:schemeClr val="accent2"/>
-          </a:lnRef>
-          <a:fillRef idx="2">
-            <a:schemeClr val="accent2"/>
-          </a:fillRef>
-          <a:effectRef idx="1">
-            <a:schemeClr val="accent2"/>
-          </a:effectRef>
-          <a:fontRef idx="minor">
-            <a:schemeClr val="dk1"/>
-          </a:fontRef>
-        </p:style>
-      </p:cxnSp>
-      <p:cxnSp>
-        <p:nvCxnSpPr>
-          <p:cNvPr id="88" name="Elbow Connector 63"/>
-          <p:cNvCxnSpPr>
-            <a:stCxn id="2" idx="3"/>
-            <a:endCxn id="16" idx="3"/>
-          </p:cNvCxnSpPr>
-          <p:nvPr/>
-        </p:nvCxnSpPr>
-        <p:spPr>
-          <a:xfrm flipV="1">
-            <a:off x="3189583" y="2286000"/>
-            <a:ext cx="2340386" cy="228600"/>
+            <a:off x="4231713" y="827786"/>
+            <a:ext cx="804221" cy="2044250"/>
           </a:xfrm>
           <a:prstGeom prst="bentConnector2">
             <a:avLst/>
@@ -4746,8 +4705,8 @@
         </p:nvCxnSpPr>
         <p:spPr>
           <a:xfrm rot="5400000">
-            <a:off x="3191997" y="2780166"/>
-            <a:ext cx="2832139" cy="1843807"/>
+            <a:off x="2531954" y="2527545"/>
+            <a:ext cx="4203738" cy="2044251"/>
           </a:xfrm>
           <a:prstGeom prst="bentConnector2">
             <a:avLst/>
@@ -4787,8 +4746,8 @@
         </p:nvCxnSpPr>
         <p:spPr>
           <a:xfrm rot="5400000">
-            <a:off x="2990876" y="2981287"/>
-            <a:ext cx="3234380" cy="1843806"/>
+            <a:off x="2330834" y="2728665"/>
+            <a:ext cx="4605979" cy="2044250"/>
           </a:xfrm>
           <a:prstGeom prst="bentConnector2">
             <a:avLst/>
@@ -4827,7 +4786,7 @@
         </p:nvCxnSpPr>
         <p:spPr>
           <a:xfrm rot="5400000" flipH="1" flipV="1">
-            <a:off x="4594921" y="-355061"/>
+            <a:off x="4520456" y="-1193260"/>
             <a:ext cx="170724" cy="4081246"/>
           </a:xfrm>
           <a:prstGeom prst="bentConnector2">
@@ -4866,8 +4825,8 @@
         </p:nvSpPr>
         <p:spPr>
           <a:xfrm rot="16200000">
-            <a:off x="6213739" y="4560376"/>
-            <a:ext cx="1371599" cy="328045"/>
+            <a:off x="5301076" y="4560375"/>
+            <a:ext cx="3048000" cy="328045"/>
           </a:xfrm>
           <a:prstGeom prst="roundRect">
             <a:avLst/>
@@ -4926,7 +4885,7 @@
         </p:nvSpPr>
         <p:spPr>
           <a:xfrm rot="16200000">
-            <a:off x="956202" y="2861202"/>
+            <a:off x="881737" y="2023003"/>
             <a:ext cx="1093635" cy="346760"/>
           </a:xfrm>
           <a:prstGeom prst="rect">
@@ -4996,7 +4955,7 @@
         </p:nvSpPr>
         <p:spPr>
           <a:xfrm flipV="1">
-            <a:off x="1367767" y="2286001"/>
+            <a:off x="1293302" y="1447802"/>
             <a:ext cx="270504" cy="175523"/>
           </a:xfrm>
           <a:prstGeom prst="triangle">
@@ -5047,7 +5006,7 @@
         </p:nvCxnSpPr>
         <p:spPr>
           <a:xfrm rot="10800000" flipV="1">
-            <a:off x="1503020" y="1944303"/>
+            <a:off x="1428555" y="1106104"/>
             <a:ext cx="589823" cy="341697"/>
           </a:xfrm>
           <a:prstGeom prst="bentConnector2">
@@ -5089,7 +5048,7 @@
         </p:nvCxnSpPr>
         <p:spPr>
           <a:xfrm rot="16200000" flipH="1">
-            <a:off x="2226110" y="3058040"/>
+            <a:off x="2151645" y="2219841"/>
             <a:ext cx="554704" cy="174673"/>
           </a:xfrm>
           <a:prstGeom prst="bentConnector2">
@@ -5123,18 +5082,21 @@
         <p:nvCxnSpPr>
           <p:cNvPr id="132" name="Elbow Connector 63"/>
           <p:cNvCxnSpPr>
+            <a:cxnSpLocks/>
             <a:stCxn id="16" idx="3"/>
-            <a:endCxn id="3" idx="3"/>
+            <a:endCxn id="34" idx="2"/>
           </p:cNvCxnSpPr>
           <p:nvPr/>
         </p:nvCxnSpPr>
         <p:spPr>
           <a:xfrm rot="5400000">
-            <a:off x="4205956" y="1766207"/>
-            <a:ext cx="804221" cy="1843806"/>
-          </a:xfrm>
-          <a:prstGeom prst="bentConnector2">
-            <a:avLst/>
+            <a:off x="3436446" y="1125775"/>
+            <a:ext cx="1897476" cy="2541529"/>
+          </a:xfrm>
+          <a:prstGeom prst="bentConnector3">
+            <a:avLst>
+              <a:gd name="adj1" fmla="val 103197"/>
+            </a:avLst>
           </a:prstGeom>
           <a:ln w="6350">
             <a:solidFill>
@@ -5172,8 +5134,8 @@
         </p:nvCxnSpPr>
         <p:spPr>
           <a:xfrm>
-            <a:off x="3686161" y="4110381"/>
-            <a:ext cx="683133" cy="217702"/>
+            <a:off x="3611696" y="4624642"/>
+            <a:ext cx="683133" cy="362410"/>
           </a:xfrm>
           <a:prstGeom prst="bentConnector3">
             <a:avLst>
@@ -5215,8 +5177,8 @@
         </p:nvCxnSpPr>
         <p:spPr>
           <a:xfrm rot="5400000">
-            <a:off x="3695875" y="2276286"/>
-            <a:ext cx="1824381" cy="1843808"/>
+            <a:off x="3045402" y="2014095"/>
+            <a:ext cx="3176841" cy="2044252"/>
           </a:xfrm>
           <a:prstGeom prst="bentConnector2">
             <a:avLst/>
@@ -5253,7 +5215,7 @@
         </p:nvSpPr>
         <p:spPr>
           <a:xfrm>
-            <a:off x="5435896" y="2743200"/>
+            <a:off x="5361431" y="1905001"/>
             <a:ext cx="229325" cy="166560"/>
           </a:xfrm>
           <a:prstGeom prst="rect">
@@ -5306,8 +5268,8 @@
         </p:nvSpPr>
         <p:spPr>
           <a:xfrm>
-            <a:off x="3687515" y="2828802"/>
-            <a:ext cx="3048000" cy="203200"/>
+            <a:off x="3611695" y="2149061"/>
+            <a:ext cx="3034746" cy="87899"/>
           </a:xfrm>
           <a:custGeom>
             <a:avLst/>
@@ -5388,7 +5350,7 @@
         </p:nvSpPr>
         <p:spPr>
           <a:xfrm>
-            <a:off x="5431573" y="4488138"/>
+            <a:off x="5357108" y="3649939"/>
             <a:ext cx="229325" cy="160062"/>
           </a:xfrm>
           <a:prstGeom prst="rect">
@@ -5441,7 +5403,7 @@
         </p:nvSpPr>
         <p:spPr>
           <a:xfrm flipV="1">
-            <a:off x="4800600" y="4480607"/>
+            <a:off x="4726135" y="5097231"/>
             <a:ext cx="1956394" cy="93700"/>
           </a:xfrm>
           <a:custGeom>
@@ -5529,7 +5491,7 @@
         </p:nvSpPr>
         <p:spPr>
           <a:xfrm>
-            <a:off x="2592525" y="4343033"/>
+            <a:off x="2518060" y="4876433"/>
             <a:ext cx="1316776" cy="231275"/>
           </a:xfrm>
           <a:prstGeom prst="rect">
@@ -5595,7 +5557,7 @@
         </p:nvSpPr>
         <p:spPr>
           <a:xfrm>
-            <a:off x="2592525" y="4657008"/>
+            <a:off x="2518060" y="5190408"/>
             <a:ext cx="1316776" cy="266518"/>
           </a:xfrm>
           <a:prstGeom prst="rect">
@@ -5665,8 +5627,8 @@
         </p:nvCxnSpPr>
         <p:spPr>
           <a:xfrm rot="16200000" flipH="1">
-            <a:off x="1709002" y="3575148"/>
-            <a:ext cx="1590646" cy="176399"/>
+            <a:off x="948738" y="3422748"/>
+            <a:ext cx="2962245" cy="176399"/>
           </a:xfrm>
           <a:prstGeom prst="bentConnector2">
             <a:avLst/>
@@ -5713,8 +5675,8 @@
         </p:nvCxnSpPr>
         <p:spPr>
           <a:xfrm rot="16200000" flipH="1">
-            <a:off x="1543204" y="3740946"/>
-            <a:ext cx="1922242" cy="176399"/>
+            <a:off x="782940" y="3588546"/>
+            <a:ext cx="3293841" cy="176399"/>
           </a:xfrm>
           <a:prstGeom prst="bentConnector2">
             <a:avLst/>
@@ -5761,8 +5723,8 @@
         </p:nvCxnSpPr>
         <p:spPr>
           <a:xfrm flipV="1">
-            <a:off x="3909301" y="4328083"/>
-            <a:ext cx="459993" cy="130588"/>
+            <a:off x="3834836" y="4987052"/>
+            <a:ext cx="459993" cy="5019"/>
           </a:xfrm>
           <a:prstGeom prst="bentConnector3">
             <a:avLst>
@@ -5811,8 +5773,8 @@
         </p:nvCxnSpPr>
         <p:spPr>
           <a:xfrm flipV="1">
-            <a:off x="3909301" y="4328083"/>
-            <a:ext cx="459993" cy="462184"/>
+            <a:off x="3834836" y="4987052"/>
+            <a:ext cx="459993" cy="336615"/>
           </a:xfrm>
           <a:prstGeom prst="bentConnector3">
             <a:avLst>
@@ -5823,6 +5785,1466 @@
             <a:solidFill>
               <a:schemeClr val="accent3"/>
             </a:solidFill>
+            <a:headEnd type="none" w="med" len="med"/>
+            <a:tailEnd type="arrow" w="med" len="med"/>
+          </a:ln>
+          <a:effectLst/>
+        </p:spPr>
+        <p:style>
+          <a:lnRef idx="1">
+            <a:schemeClr val="accent2"/>
+          </a:lnRef>
+          <a:fillRef idx="2">
+            <a:schemeClr val="accent2"/>
+          </a:fillRef>
+          <a:effectRef idx="1">
+            <a:schemeClr val="accent2"/>
+          </a:effectRef>
+          <a:fontRef idx="minor">
+            <a:schemeClr val="dk1"/>
+          </a:fontRef>
+        </p:style>
+      </p:cxnSp>
+      <p:sp>
+        <p:nvSpPr>
+          <p:cNvPr id="49" name="Flowchart: Decision 48">
+            <a:extLst>
+              <a:ext uri="{FF2B5EF4-FFF2-40B4-BE49-F238E27FC236}">
+                <a16:creationId xmlns:a16="http://schemas.microsoft.com/office/drawing/2014/main" id="{33E09EB1-BD0F-410A-B600-CA87E6C333F1}"/>
+              </a:ext>
+            </a:extLst>
+          </p:cNvPr>
+          <p:cNvSpPr/>
+          <p:nvPr/>
+        </p:nvSpPr>
+        <p:spPr>
+          <a:xfrm>
+            <a:off x="3722653" y="3122327"/>
+            <a:ext cx="183156" cy="161573"/>
+          </a:xfrm>
+          <a:prstGeom prst="flowChartDecision">
+            <a:avLst/>
+          </a:prstGeom>
+          <a:solidFill>
+            <a:schemeClr val="accent3"/>
+          </a:solidFill>
+          <a:ln>
+            <a:solidFill>
+              <a:schemeClr val="accent3"/>
+            </a:solidFill>
+          </a:ln>
+        </p:spPr>
+        <p:style>
+          <a:lnRef idx="2">
+            <a:schemeClr val="accent1">
+              <a:shade val="50000"/>
+            </a:schemeClr>
+          </a:lnRef>
+          <a:fillRef idx="1">
+            <a:schemeClr val="accent1"/>
+          </a:fillRef>
+          <a:effectRef idx="0">
+            <a:schemeClr val="accent1"/>
+          </a:effectRef>
+          <a:fontRef idx="minor">
+            <a:schemeClr val="lt1"/>
+          </a:fontRef>
+        </p:style>
+        <p:txBody>
+          <a:bodyPr rtlCol="0" anchor="ctr"/>
+          <a:lstStyle/>
+          <a:p>
+            <a:pPr algn="ctr"/>
+            <a:endParaRPr lang="en-SG"/>
+          </a:p>
+        </p:txBody>
+      </p:sp>
+      <p:cxnSp>
+        <p:nvCxnSpPr>
+          <p:cNvPr id="52" name="Elbow Connector 63">
+            <a:extLst>
+              <a:ext uri="{FF2B5EF4-FFF2-40B4-BE49-F238E27FC236}">
+                <a16:creationId xmlns:a16="http://schemas.microsoft.com/office/drawing/2014/main" id="{CDF6768D-F015-4034-B0D4-87E5DED931C6}"/>
+              </a:ext>
+            </a:extLst>
+          </p:cNvPr>
+          <p:cNvCxnSpPr>
+            <a:cxnSpLocks/>
+            <a:stCxn id="49" idx="3"/>
+            <a:endCxn id="54" idx="1"/>
+          </p:cNvCxnSpPr>
+          <p:nvPr/>
+        </p:nvCxnSpPr>
+        <p:spPr>
+          <a:xfrm>
+            <a:off x="3905809" y="3203114"/>
+            <a:ext cx="185098" cy="13566"/>
+          </a:xfrm>
+          <a:prstGeom prst="bentConnector3">
+            <a:avLst>
+              <a:gd name="adj1" fmla="val 50000"/>
+            </a:avLst>
+          </a:prstGeom>
+          <a:ln w="19050">
+            <a:solidFill>
+              <a:schemeClr val="accent3"/>
+            </a:solidFill>
+            <a:headEnd type="none" w="med" len="med"/>
+            <a:tailEnd type="arrow" w="med" len="med"/>
+          </a:ln>
+          <a:effectLst/>
+        </p:spPr>
+        <p:style>
+          <a:lnRef idx="1">
+            <a:schemeClr val="accent2"/>
+          </a:lnRef>
+          <a:fillRef idx="2">
+            <a:schemeClr val="accent2"/>
+          </a:fillRef>
+          <a:effectRef idx="1">
+            <a:schemeClr val="accent2"/>
+          </a:effectRef>
+          <a:fontRef idx="minor">
+            <a:schemeClr val="dk1"/>
+          </a:fontRef>
+        </p:style>
+      </p:cxnSp>
+      <p:sp>
+        <p:nvSpPr>
+          <p:cNvPr id="54" name="Rectangle 11">
+            <a:extLst>
+              <a:ext uri="{FF2B5EF4-FFF2-40B4-BE49-F238E27FC236}">
+                <a16:creationId xmlns:a16="http://schemas.microsoft.com/office/drawing/2014/main" id="{4C43A05D-B5CB-491D-91F7-C23420A02F4F}"/>
+              </a:ext>
+            </a:extLst>
+          </p:cNvPr>
+          <p:cNvSpPr/>
+          <p:nvPr/>
+        </p:nvSpPr>
+        <p:spPr>
+          <a:xfrm>
+            <a:off x="4090907" y="3103813"/>
+            <a:ext cx="1378417" cy="225733"/>
+          </a:xfrm>
+          <a:prstGeom prst="rect">
+            <a:avLst/>
+          </a:prstGeom>
+          <a:ln w="19050">
+            <a:solidFill>
+              <a:schemeClr val="accent3"/>
+            </a:solidFill>
+          </a:ln>
+          <a:effectLst/>
+        </p:spPr>
+        <p:style>
+          <a:lnRef idx="1">
+            <a:schemeClr val="accent3"/>
+          </a:lnRef>
+          <a:fillRef idx="2">
+            <a:schemeClr val="accent3"/>
+          </a:fillRef>
+          <a:effectRef idx="1">
+            <a:schemeClr val="accent3"/>
+          </a:effectRef>
+          <a:fontRef idx="minor">
+            <a:schemeClr val="dk1"/>
+          </a:fontRef>
+        </p:style>
+        <p:txBody>
+          <a:bodyPr rtlCol="0" anchor="ctr"/>
+          <a:lstStyle/>
+          <a:p>
+            <a:pPr algn="ctr"/>
+            <a:r>
+              <a:rPr lang="en-US" sz="1050" b="1" dirty="0" err="1">
+                <a:solidFill>
+                  <a:schemeClr val="accent3">
+                    <a:lumMod val="75000"/>
+                  </a:schemeClr>
+                </a:solidFill>
+              </a:rPr>
+              <a:t>BookDescriptionView</a:t>
+            </a:r>
+            <a:endParaRPr lang="en-SG" sz="1050" b="1" dirty="0">
+              <a:solidFill>
+                <a:schemeClr val="accent3">
+                  <a:lumMod val="75000"/>
+                </a:schemeClr>
+              </a:solidFill>
+            </a:endParaRPr>
+          </a:p>
+        </p:txBody>
+      </p:sp>
+      <p:cxnSp>
+        <p:nvCxnSpPr>
+          <p:cNvPr id="59" name="Elbow Connector 63">
+            <a:extLst>
+              <a:ext uri="{FF2B5EF4-FFF2-40B4-BE49-F238E27FC236}">
+                <a16:creationId xmlns:a16="http://schemas.microsoft.com/office/drawing/2014/main" id="{263E254C-062B-4435-BAF0-955E012D4F00}"/>
+              </a:ext>
+            </a:extLst>
+          </p:cNvPr>
+          <p:cNvCxnSpPr>
+            <a:cxnSpLocks/>
+            <a:stCxn id="54" idx="3"/>
+            <a:endCxn id="16" idx="3"/>
+          </p:cNvCxnSpPr>
+          <p:nvPr/>
+        </p:nvCxnSpPr>
+        <p:spPr>
+          <a:xfrm flipV="1">
+            <a:off x="5469324" y="1447801"/>
+            <a:ext cx="186624" cy="1768879"/>
+          </a:xfrm>
+          <a:prstGeom prst="bentConnector2">
+            <a:avLst/>
+          </a:prstGeom>
+          <a:ln w="6350">
+            <a:solidFill>
+              <a:schemeClr val="accent3"/>
+            </a:solidFill>
+            <a:headEnd type="none" w="med" len="med"/>
+            <a:tailEnd type="none" w="med" len="med"/>
+          </a:ln>
+          <a:effectLst/>
+        </p:spPr>
+        <p:style>
+          <a:lnRef idx="1">
+            <a:schemeClr val="accent2"/>
+          </a:lnRef>
+          <a:fillRef idx="2">
+            <a:schemeClr val="accent2"/>
+          </a:fillRef>
+          <a:effectRef idx="1">
+            <a:schemeClr val="accent2"/>
+          </a:effectRef>
+          <a:fontRef idx="minor">
+            <a:schemeClr val="dk1"/>
+          </a:fontRef>
+        </p:style>
+      </p:cxnSp>
+      <p:sp>
+        <p:nvSpPr>
+          <p:cNvPr id="63" name="Rectangle 11">
+            <a:extLst>
+              <a:ext uri="{FF2B5EF4-FFF2-40B4-BE49-F238E27FC236}">
+                <a16:creationId xmlns:a16="http://schemas.microsoft.com/office/drawing/2014/main" id="{9D230EF7-6BB8-430F-85F3-81F968A993B8}"/>
+              </a:ext>
+            </a:extLst>
+          </p:cNvPr>
+          <p:cNvSpPr/>
+          <p:nvPr/>
+        </p:nvSpPr>
+        <p:spPr>
+          <a:xfrm>
+            <a:off x="2522672" y="3448501"/>
+            <a:ext cx="1240216" cy="269271"/>
+          </a:xfrm>
+          <a:prstGeom prst="rect">
+            <a:avLst/>
+          </a:prstGeom>
+          <a:ln w="19050">
+            <a:solidFill>
+              <a:schemeClr val="accent3"/>
+            </a:solidFill>
+          </a:ln>
+          <a:effectLst/>
+        </p:spPr>
+        <p:style>
+          <a:lnRef idx="1">
+            <a:schemeClr val="accent3"/>
+          </a:lnRef>
+          <a:fillRef idx="2">
+            <a:schemeClr val="accent3"/>
+          </a:fillRef>
+          <a:effectRef idx="1">
+            <a:schemeClr val="accent3"/>
+          </a:effectRef>
+          <a:fontRef idx="minor">
+            <a:schemeClr val="dk1"/>
+          </a:fontRef>
+        </p:style>
+        <p:txBody>
+          <a:bodyPr rtlCol="0" anchor="ctr"/>
+          <a:lstStyle/>
+          <a:p>
+            <a:pPr algn="ctr"/>
+            <a:r>
+              <a:rPr lang="en-US" sz="1050" b="1" dirty="0" err="1">
+                <a:solidFill>
+                  <a:schemeClr val="accent3">
+                    <a:lumMod val="75000"/>
+                  </a:schemeClr>
+                </a:solidFill>
+              </a:rPr>
+              <a:t>BookReviewsPanel</a:t>
+            </a:r>
+            <a:endParaRPr lang="en-SG" sz="1050" b="1" dirty="0">
+              <a:solidFill>
+                <a:schemeClr val="accent3">
+                  <a:lumMod val="75000"/>
+                </a:schemeClr>
+              </a:solidFill>
+            </a:endParaRPr>
+          </a:p>
+        </p:txBody>
+      </p:sp>
+      <p:sp>
+        <p:nvSpPr>
+          <p:cNvPr id="64" name="Rectangle 11">
+            <a:extLst>
+              <a:ext uri="{FF2B5EF4-FFF2-40B4-BE49-F238E27FC236}">
+                <a16:creationId xmlns:a16="http://schemas.microsoft.com/office/drawing/2014/main" id="{7DAC05A6-C6A5-41E6-865B-BD50E0773AEF}"/>
+              </a:ext>
+            </a:extLst>
+          </p:cNvPr>
+          <p:cNvSpPr/>
+          <p:nvPr/>
+        </p:nvSpPr>
+        <p:spPr>
+          <a:xfrm>
+            <a:off x="2522672" y="3775080"/>
+            <a:ext cx="1312164" cy="263520"/>
+          </a:xfrm>
+          <a:prstGeom prst="rect">
+            <a:avLst/>
+          </a:prstGeom>
+          <a:ln w="19050">
+            <a:solidFill>
+              <a:schemeClr val="accent3"/>
+            </a:solidFill>
+          </a:ln>
+          <a:effectLst/>
+        </p:spPr>
+        <p:style>
+          <a:lnRef idx="1">
+            <a:schemeClr val="accent3"/>
+          </a:lnRef>
+          <a:fillRef idx="2">
+            <a:schemeClr val="accent3"/>
+          </a:fillRef>
+          <a:effectRef idx="1">
+            <a:schemeClr val="accent3"/>
+          </a:effectRef>
+          <a:fontRef idx="minor">
+            <a:schemeClr val="dk1"/>
+          </a:fontRef>
+        </p:style>
+        <p:txBody>
+          <a:bodyPr rtlCol="0" anchor="ctr"/>
+          <a:lstStyle/>
+          <a:p>
+            <a:pPr algn="ctr"/>
+            <a:r>
+              <a:rPr lang="en-US" sz="1050" b="1" dirty="0" err="1">
+                <a:solidFill>
+                  <a:schemeClr val="accent3">
+                    <a:lumMod val="75000"/>
+                  </a:schemeClr>
+                </a:solidFill>
+              </a:rPr>
+              <a:t>BookInLibraryPanel</a:t>
+            </a:r>
+            <a:endParaRPr lang="en-SG" sz="1050" b="1" dirty="0">
+              <a:solidFill>
+                <a:schemeClr val="accent3">
+                  <a:lumMod val="75000"/>
+                </a:schemeClr>
+              </a:solidFill>
+            </a:endParaRPr>
+          </a:p>
+        </p:txBody>
+      </p:sp>
+      <p:sp>
+        <p:nvSpPr>
+          <p:cNvPr id="67" name="Rectangle 11">
+            <a:extLst>
+              <a:ext uri="{FF2B5EF4-FFF2-40B4-BE49-F238E27FC236}">
+                <a16:creationId xmlns:a16="http://schemas.microsoft.com/office/drawing/2014/main" id="{A0ACF619-5A80-40FE-84BA-238BBB735AE3}"/>
+              </a:ext>
+            </a:extLst>
+          </p:cNvPr>
+          <p:cNvSpPr/>
+          <p:nvPr/>
+        </p:nvSpPr>
+        <p:spPr>
+          <a:xfrm>
+            <a:off x="2516334" y="4159858"/>
+            <a:ext cx="960111" cy="263519"/>
+          </a:xfrm>
+          <a:prstGeom prst="rect">
+            <a:avLst/>
+          </a:prstGeom>
+          <a:ln w="19050">
+            <a:solidFill>
+              <a:schemeClr val="accent3"/>
+            </a:solidFill>
+          </a:ln>
+          <a:effectLst/>
+        </p:spPr>
+        <p:style>
+          <a:lnRef idx="1">
+            <a:schemeClr val="accent3"/>
+          </a:lnRef>
+          <a:fillRef idx="2">
+            <a:schemeClr val="accent3"/>
+          </a:fillRef>
+          <a:effectRef idx="1">
+            <a:schemeClr val="accent3"/>
+          </a:effectRef>
+          <a:fontRef idx="minor">
+            <a:schemeClr val="dk1"/>
+          </a:fontRef>
+        </p:style>
+        <p:txBody>
+          <a:bodyPr rtlCol="0" anchor="ctr"/>
+          <a:lstStyle/>
+          <a:p>
+            <a:pPr algn="ctr"/>
+            <a:r>
+              <a:rPr lang="en-US" sz="1050" b="1" dirty="0" err="1">
+                <a:solidFill>
+                  <a:schemeClr val="accent3">
+                    <a:lumMod val="75000"/>
+                  </a:schemeClr>
+                </a:solidFill>
+              </a:rPr>
+              <a:t>AliasListPanel</a:t>
+            </a:r>
+            <a:endParaRPr lang="en-SG" sz="1050" b="1" dirty="0">
+              <a:solidFill>
+                <a:schemeClr val="accent3">
+                  <a:lumMod val="75000"/>
+                </a:schemeClr>
+              </a:solidFill>
+            </a:endParaRPr>
+          </a:p>
+        </p:txBody>
+      </p:sp>
+      <p:sp>
+        <p:nvSpPr>
+          <p:cNvPr id="68" name="Rectangle 11">
+            <a:extLst>
+              <a:ext uri="{FF2B5EF4-FFF2-40B4-BE49-F238E27FC236}">
+                <a16:creationId xmlns:a16="http://schemas.microsoft.com/office/drawing/2014/main" id="{B4ED4971-FBFE-4D5F-9F81-D145220C6561}"/>
+              </a:ext>
+            </a:extLst>
+          </p:cNvPr>
+          <p:cNvSpPr/>
+          <p:nvPr/>
+        </p:nvSpPr>
+        <p:spPr>
+          <a:xfrm>
+            <a:off x="4017799" y="4169326"/>
+            <a:ext cx="1040906" cy="236841"/>
+          </a:xfrm>
+          <a:prstGeom prst="rect">
+            <a:avLst/>
+          </a:prstGeom>
+          <a:ln w="19050">
+            <a:solidFill>
+              <a:schemeClr val="accent3"/>
+            </a:solidFill>
+          </a:ln>
+          <a:effectLst/>
+        </p:spPr>
+        <p:style>
+          <a:lnRef idx="1">
+            <a:schemeClr val="accent3"/>
+          </a:lnRef>
+          <a:fillRef idx="2">
+            <a:schemeClr val="accent3"/>
+          </a:fillRef>
+          <a:effectRef idx="1">
+            <a:schemeClr val="accent3"/>
+          </a:effectRef>
+          <a:fontRef idx="minor">
+            <a:schemeClr val="dk1"/>
+          </a:fontRef>
+        </p:style>
+        <p:txBody>
+          <a:bodyPr rtlCol="0" anchor="ctr"/>
+          <a:lstStyle/>
+          <a:p>
+            <a:pPr algn="ctr"/>
+            <a:r>
+              <a:rPr lang="en-US" sz="1050" b="1" dirty="0" err="1">
+                <a:solidFill>
+                  <a:schemeClr val="accent3">
+                    <a:lumMod val="75000"/>
+                  </a:schemeClr>
+                </a:solidFill>
+              </a:rPr>
+              <a:t>AliasCard</a:t>
+            </a:r>
+            <a:endParaRPr lang="en-SG" sz="1050" b="1" dirty="0">
+              <a:solidFill>
+                <a:schemeClr val="accent3">
+                  <a:lumMod val="75000"/>
+                </a:schemeClr>
+              </a:solidFill>
+            </a:endParaRPr>
+          </a:p>
+        </p:txBody>
+      </p:sp>
+      <p:cxnSp>
+        <p:nvCxnSpPr>
+          <p:cNvPr id="69" name="Elbow Connector 136">
+            <a:extLst>
+              <a:ext uri="{FF2B5EF4-FFF2-40B4-BE49-F238E27FC236}">
+                <a16:creationId xmlns:a16="http://schemas.microsoft.com/office/drawing/2014/main" id="{5F494C7C-AAF8-48DF-B1D8-778619E7DA39}"/>
+              </a:ext>
+            </a:extLst>
+          </p:cNvPr>
+          <p:cNvCxnSpPr>
+            <a:cxnSpLocks/>
+            <a:stCxn id="67" idx="3"/>
+            <a:endCxn id="68" idx="1"/>
+          </p:cNvCxnSpPr>
+          <p:nvPr/>
+        </p:nvCxnSpPr>
+        <p:spPr>
+          <a:xfrm flipV="1">
+            <a:off x="3476445" y="4287747"/>
+            <a:ext cx="541354" cy="3871"/>
+          </a:xfrm>
+          <a:prstGeom prst="bentConnector3">
+            <a:avLst>
+              <a:gd name="adj1" fmla="val 50000"/>
+            </a:avLst>
+          </a:prstGeom>
+          <a:ln w="19050">
+            <a:solidFill>
+              <a:schemeClr val="accent3"/>
+            </a:solidFill>
+            <a:headEnd type="none" w="med" len="med"/>
+            <a:tailEnd type="arrow" w="med" len="med"/>
+          </a:ln>
+          <a:effectLst/>
+        </p:spPr>
+        <p:style>
+          <a:lnRef idx="1">
+            <a:schemeClr val="accent2"/>
+          </a:lnRef>
+          <a:fillRef idx="2">
+            <a:schemeClr val="accent2"/>
+          </a:fillRef>
+          <a:effectRef idx="1">
+            <a:schemeClr val="accent2"/>
+          </a:effectRef>
+          <a:fontRef idx="minor">
+            <a:schemeClr val="dk1"/>
+          </a:fontRef>
+        </p:style>
+      </p:cxnSp>
+      <p:sp>
+        <p:nvSpPr>
+          <p:cNvPr id="72" name="Freeform 117">
+            <a:extLst>
+              <a:ext uri="{FF2B5EF4-FFF2-40B4-BE49-F238E27FC236}">
+                <a16:creationId xmlns:a16="http://schemas.microsoft.com/office/drawing/2014/main" id="{13F250F7-3E91-4E18-82AD-593D97632A47}"/>
+              </a:ext>
+            </a:extLst>
+          </p:cNvPr>
+          <p:cNvSpPr/>
+          <p:nvPr/>
+        </p:nvSpPr>
+        <p:spPr>
+          <a:xfrm flipV="1">
+            <a:off x="4710841" y="4397581"/>
+            <a:ext cx="1956394" cy="93700"/>
+          </a:xfrm>
+          <a:custGeom>
+            <a:avLst/>
+            <a:gdLst>
+              <a:gd name="connsiteX0" fmla="*/ 0 w 3048000"/>
+              <a:gd name="connsiteY0" fmla="*/ 203200 h 203200"/>
+              <a:gd name="connsiteX1" fmla="*/ 221673 w 3048000"/>
+              <a:gd name="connsiteY1" fmla="*/ 0 h 203200"/>
+              <a:gd name="connsiteX2" fmla="*/ 3048000 w 3048000"/>
+              <a:gd name="connsiteY2" fmla="*/ 0 h 203200"/>
+            </a:gdLst>
+            <a:ahLst/>
+            <a:cxnLst>
+              <a:cxn ang="0">
+                <a:pos x="connsiteX0" y="connsiteY0"/>
+              </a:cxn>
+              <a:cxn ang="0">
+                <a:pos x="connsiteX1" y="connsiteY1"/>
+              </a:cxn>
+              <a:cxn ang="0">
+                <a:pos x="connsiteX2" y="connsiteY2"/>
+              </a:cxn>
+            </a:cxnLst>
+            <a:rect l="l" t="t" r="r" b="b"/>
+            <a:pathLst>
+              <a:path w="3048000" h="203200">
+                <a:moveTo>
+                  <a:pt x="0" y="203200"/>
+                </a:moveTo>
+                <a:lnTo>
+                  <a:pt x="221673" y="0"/>
+                </a:lnTo>
+                <a:lnTo>
+                  <a:pt x="3048000" y="0"/>
+                </a:lnTo>
+              </a:path>
+            </a:pathLst>
+          </a:custGeom>
+          <a:noFill/>
+          <a:ln w="19050">
+            <a:solidFill>
+              <a:schemeClr val="accent3"/>
+            </a:solidFill>
+            <a:prstDash val="sysDot"/>
+            <a:headEnd type="none" w="med" len="med"/>
+            <a:tailEnd type="arrow" w="med" len="med"/>
+          </a:ln>
+          <a:effectLst/>
+        </p:spPr>
+        <p:style>
+          <a:lnRef idx="1">
+            <a:schemeClr val="accent2"/>
+          </a:lnRef>
+          <a:fillRef idx="2">
+            <a:schemeClr val="accent2"/>
+          </a:fillRef>
+          <a:effectRef idx="1">
+            <a:schemeClr val="accent2"/>
+          </a:effectRef>
+          <a:fontRef idx="minor">
+            <a:schemeClr val="dk1"/>
+          </a:fontRef>
+        </p:style>
+        <p:txBody>
+          <a:bodyPr rtlCol="0" anchor="ctr"/>
+          <a:lstStyle/>
+          <a:p>
+            <a:pPr algn="ctr"/>
+            <a:endParaRPr lang="en-SG"/>
+          </a:p>
+        </p:txBody>
+      </p:sp>
+      <p:sp>
+        <p:nvSpPr>
+          <p:cNvPr id="75" name="Rectangle 11">
+            <a:extLst>
+              <a:ext uri="{FF2B5EF4-FFF2-40B4-BE49-F238E27FC236}">
+                <a16:creationId xmlns:a16="http://schemas.microsoft.com/office/drawing/2014/main" id="{1B8616D6-BC27-46ED-9784-CDFF38C7F68B}"/>
+              </a:ext>
+            </a:extLst>
+          </p:cNvPr>
+          <p:cNvSpPr/>
+          <p:nvPr/>
+        </p:nvSpPr>
+        <p:spPr>
+          <a:xfrm>
+            <a:off x="2520980" y="2777003"/>
+            <a:ext cx="1192712" cy="253662"/>
+          </a:xfrm>
+          <a:prstGeom prst="rect">
+            <a:avLst/>
+          </a:prstGeom>
+          <a:ln w="19050">
+            <a:solidFill>
+              <a:schemeClr val="accent3"/>
+            </a:solidFill>
+          </a:ln>
+          <a:effectLst/>
+        </p:spPr>
+        <p:style>
+          <a:lnRef idx="1">
+            <a:schemeClr val="accent3"/>
+          </a:lnRef>
+          <a:fillRef idx="2">
+            <a:schemeClr val="accent3"/>
+          </a:fillRef>
+          <a:effectRef idx="1">
+            <a:schemeClr val="accent3"/>
+          </a:effectRef>
+          <a:fontRef idx="minor">
+            <a:schemeClr val="dk1"/>
+          </a:fontRef>
+        </p:style>
+        <p:txBody>
+          <a:bodyPr rtlCol="0" anchor="ctr"/>
+          <a:lstStyle/>
+          <a:p>
+            <a:pPr algn="ctr"/>
+            <a:r>
+              <a:rPr lang="en-US" sz="1050" b="1" dirty="0" err="1">
+                <a:solidFill>
+                  <a:schemeClr val="accent3">
+                    <a:lumMod val="75000"/>
+                  </a:schemeClr>
+                </a:solidFill>
+              </a:rPr>
+              <a:t>WelcomePanel</a:t>
+            </a:r>
+            <a:endParaRPr lang="en-SG" sz="1050" b="1" dirty="0">
+              <a:solidFill>
+                <a:schemeClr val="accent3">
+                  <a:lumMod val="75000"/>
+                </a:schemeClr>
+              </a:solidFill>
+            </a:endParaRPr>
+          </a:p>
+        </p:txBody>
+      </p:sp>
+      <p:cxnSp>
+        <p:nvCxnSpPr>
+          <p:cNvPr id="76" name="Elbow Connector 63">
+            <a:extLst>
+              <a:ext uri="{FF2B5EF4-FFF2-40B4-BE49-F238E27FC236}">
+                <a16:creationId xmlns:a16="http://schemas.microsoft.com/office/drawing/2014/main" id="{8DE1E27C-1AD5-465B-B691-6A023C496D6B}"/>
+              </a:ext>
+            </a:extLst>
+          </p:cNvPr>
+          <p:cNvCxnSpPr>
+            <a:cxnSpLocks/>
+            <a:stCxn id="39" idx="2"/>
+            <a:endCxn id="75" idx="1"/>
+          </p:cNvCxnSpPr>
+          <p:nvPr/>
+        </p:nvCxnSpPr>
+        <p:spPr>
+          <a:xfrm rot="16200000" flipH="1">
+            <a:off x="1994316" y="2377170"/>
+            <a:ext cx="874008" cy="179319"/>
+          </a:xfrm>
+          <a:prstGeom prst="bentConnector2">
+            <a:avLst/>
+          </a:prstGeom>
+          <a:ln w="19050">
+            <a:solidFill>
+              <a:schemeClr val="accent3"/>
+            </a:solidFill>
+            <a:headEnd type="none" w="med" len="med"/>
+            <a:tailEnd type="arrow" w="med" len="med"/>
+          </a:ln>
+          <a:effectLst/>
+        </p:spPr>
+        <p:style>
+          <a:lnRef idx="1">
+            <a:schemeClr val="accent2"/>
+          </a:lnRef>
+          <a:fillRef idx="2">
+            <a:schemeClr val="accent2"/>
+          </a:fillRef>
+          <a:effectRef idx="1">
+            <a:schemeClr val="accent2"/>
+          </a:effectRef>
+          <a:fontRef idx="minor">
+            <a:schemeClr val="dk1"/>
+          </a:fontRef>
+        </p:style>
+      </p:cxnSp>
+      <p:cxnSp>
+        <p:nvCxnSpPr>
+          <p:cNvPr id="78" name="Elbow Connector 63">
+            <a:extLst>
+              <a:ext uri="{FF2B5EF4-FFF2-40B4-BE49-F238E27FC236}">
+                <a16:creationId xmlns:a16="http://schemas.microsoft.com/office/drawing/2014/main" id="{D4CDD4FD-5A0E-4A55-A8F4-DD5201C66F77}"/>
+              </a:ext>
+            </a:extLst>
+          </p:cNvPr>
+          <p:cNvCxnSpPr>
+            <a:cxnSpLocks/>
+            <a:stCxn id="39" idx="2"/>
+            <a:endCxn id="63" idx="1"/>
+          </p:cNvCxnSpPr>
+          <p:nvPr/>
+        </p:nvCxnSpPr>
+        <p:spPr>
+          <a:xfrm rot="16200000" flipH="1">
+            <a:off x="1655511" y="2715975"/>
+            <a:ext cx="1553311" cy="181011"/>
+          </a:xfrm>
+          <a:prstGeom prst="bentConnector2">
+            <a:avLst/>
+          </a:prstGeom>
+          <a:ln w="19050">
+            <a:solidFill>
+              <a:schemeClr val="accent3"/>
+            </a:solidFill>
+            <a:headEnd type="none" w="med" len="med"/>
+            <a:tailEnd type="arrow" w="med" len="med"/>
+          </a:ln>
+          <a:effectLst/>
+        </p:spPr>
+        <p:style>
+          <a:lnRef idx="1">
+            <a:schemeClr val="accent2"/>
+          </a:lnRef>
+          <a:fillRef idx="2">
+            <a:schemeClr val="accent2"/>
+          </a:fillRef>
+          <a:effectRef idx="1">
+            <a:schemeClr val="accent2"/>
+          </a:effectRef>
+          <a:fontRef idx="minor">
+            <a:schemeClr val="dk1"/>
+          </a:fontRef>
+        </p:style>
+      </p:cxnSp>
+      <p:cxnSp>
+        <p:nvCxnSpPr>
+          <p:cNvPr id="81" name="Elbow Connector 63">
+            <a:extLst>
+              <a:ext uri="{FF2B5EF4-FFF2-40B4-BE49-F238E27FC236}">
+                <a16:creationId xmlns:a16="http://schemas.microsoft.com/office/drawing/2014/main" id="{81A513C3-8C29-441F-936F-92C39AB4BD59}"/>
+              </a:ext>
+            </a:extLst>
+          </p:cNvPr>
+          <p:cNvCxnSpPr>
+            <a:cxnSpLocks/>
+            <a:stCxn id="39" idx="2"/>
+            <a:endCxn id="64" idx="1"/>
+          </p:cNvCxnSpPr>
+          <p:nvPr/>
+        </p:nvCxnSpPr>
+        <p:spPr>
+          <a:xfrm rot="16200000" flipH="1">
+            <a:off x="1493659" y="2877827"/>
+            <a:ext cx="1877014" cy="181011"/>
+          </a:xfrm>
+          <a:prstGeom prst="bentConnector2">
+            <a:avLst/>
+          </a:prstGeom>
+          <a:ln w="19050">
+            <a:solidFill>
+              <a:schemeClr val="accent3"/>
+            </a:solidFill>
+            <a:headEnd type="none" w="med" len="med"/>
+            <a:tailEnd type="arrow" w="med" len="med"/>
+          </a:ln>
+          <a:effectLst/>
+        </p:spPr>
+        <p:style>
+          <a:lnRef idx="1">
+            <a:schemeClr val="accent2"/>
+          </a:lnRef>
+          <a:fillRef idx="2">
+            <a:schemeClr val="accent2"/>
+          </a:fillRef>
+          <a:effectRef idx="1">
+            <a:schemeClr val="accent2"/>
+          </a:effectRef>
+          <a:fontRef idx="minor">
+            <a:schemeClr val="dk1"/>
+          </a:fontRef>
+        </p:style>
+      </p:cxnSp>
+      <p:cxnSp>
+        <p:nvCxnSpPr>
+          <p:cNvPr id="84" name="Elbow Connector 63">
+            <a:extLst>
+              <a:ext uri="{FF2B5EF4-FFF2-40B4-BE49-F238E27FC236}">
+                <a16:creationId xmlns:a16="http://schemas.microsoft.com/office/drawing/2014/main" id="{090BCBC8-F206-4627-A9A4-B6BFF1AFCFAC}"/>
+              </a:ext>
+            </a:extLst>
+          </p:cNvPr>
+          <p:cNvCxnSpPr>
+            <a:cxnSpLocks/>
+            <a:stCxn id="39" idx="2"/>
+            <a:endCxn id="67" idx="1"/>
+          </p:cNvCxnSpPr>
+          <p:nvPr/>
+        </p:nvCxnSpPr>
+        <p:spPr>
+          <a:xfrm rot="16200000" flipH="1">
+            <a:off x="1298101" y="3073385"/>
+            <a:ext cx="2261792" cy="174673"/>
+          </a:xfrm>
+          <a:prstGeom prst="bentConnector2">
+            <a:avLst/>
+          </a:prstGeom>
+          <a:ln w="19050">
+            <a:solidFill>
+              <a:schemeClr val="accent3"/>
+            </a:solidFill>
+            <a:headEnd type="none" w="med" len="med"/>
+            <a:tailEnd type="arrow" w="med" len="med"/>
+          </a:ln>
+          <a:effectLst/>
+        </p:spPr>
+        <p:style>
+          <a:lnRef idx="1">
+            <a:schemeClr val="accent2"/>
+          </a:lnRef>
+          <a:fillRef idx="2">
+            <a:schemeClr val="accent2"/>
+          </a:fillRef>
+          <a:effectRef idx="1">
+            <a:schemeClr val="accent2"/>
+          </a:effectRef>
+          <a:fontRef idx="minor">
+            <a:schemeClr val="dk1"/>
+          </a:fontRef>
+        </p:style>
+      </p:cxnSp>
+      <p:cxnSp>
+        <p:nvCxnSpPr>
+          <p:cNvPr id="95" name="Elbow Connector 63">
+            <a:extLst>
+              <a:ext uri="{FF2B5EF4-FFF2-40B4-BE49-F238E27FC236}">
+                <a16:creationId xmlns:a16="http://schemas.microsoft.com/office/drawing/2014/main" id="{4222B641-B75E-451C-BA24-15094F62328E}"/>
+              </a:ext>
+            </a:extLst>
+          </p:cNvPr>
+          <p:cNvCxnSpPr>
+            <a:cxnSpLocks/>
+            <a:stCxn id="75" idx="3"/>
+            <a:endCxn id="16" idx="3"/>
+          </p:cNvCxnSpPr>
+          <p:nvPr/>
+        </p:nvCxnSpPr>
+        <p:spPr>
+          <a:xfrm flipV="1">
+            <a:off x="3713692" y="1447801"/>
+            <a:ext cx="1942256" cy="1456033"/>
+          </a:xfrm>
+          <a:prstGeom prst="bentConnector2">
+            <a:avLst/>
+          </a:prstGeom>
+          <a:ln w="6350">
+            <a:solidFill>
+              <a:schemeClr val="accent3"/>
+            </a:solidFill>
+            <a:headEnd type="none" w="med" len="med"/>
+            <a:tailEnd type="none" w="med" len="med"/>
+          </a:ln>
+          <a:effectLst/>
+        </p:spPr>
+        <p:style>
+          <a:lnRef idx="1">
+            <a:schemeClr val="accent2"/>
+          </a:lnRef>
+          <a:fillRef idx="2">
+            <a:schemeClr val="accent2"/>
+          </a:fillRef>
+          <a:effectRef idx="1">
+            <a:schemeClr val="accent2"/>
+          </a:effectRef>
+          <a:fontRef idx="minor">
+            <a:schemeClr val="dk1"/>
+          </a:fontRef>
+        </p:style>
+      </p:cxnSp>
+      <p:cxnSp>
+        <p:nvCxnSpPr>
+          <p:cNvPr id="98" name="Elbow Connector 63">
+            <a:extLst>
+              <a:ext uri="{FF2B5EF4-FFF2-40B4-BE49-F238E27FC236}">
+                <a16:creationId xmlns:a16="http://schemas.microsoft.com/office/drawing/2014/main" id="{A1B8F95F-4AF3-4D34-A0C0-4B8B236811E2}"/>
+              </a:ext>
+            </a:extLst>
+          </p:cNvPr>
+          <p:cNvCxnSpPr>
+            <a:cxnSpLocks/>
+            <a:stCxn id="63" idx="0"/>
+            <a:endCxn id="16" idx="3"/>
+          </p:cNvCxnSpPr>
+          <p:nvPr/>
+        </p:nvCxnSpPr>
+        <p:spPr>
+          <a:xfrm rot="5400000" flipH="1" flipV="1">
+            <a:off x="3399014" y="1191567"/>
+            <a:ext cx="2000700" cy="2513168"/>
+          </a:xfrm>
+          <a:prstGeom prst="bentConnector3">
+            <a:avLst>
+              <a:gd name="adj1" fmla="val 1964"/>
+            </a:avLst>
+          </a:prstGeom>
+          <a:ln w="6350">
+            <a:solidFill>
+              <a:schemeClr val="accent3"/>
+            </a:solidFill>
+            <a:headEnd type="none" w="med" len="med"/>
+            <a:tailEnd type="none" w="med" len="med"/>
+          </a:ln>
+          <a:effectLst/>
+        </p:spPr>
+        <p:style>
+          <a:lnRef idx="1">
+            <a:schemeClr val="accent2"/>
+          </a:lnRef>
+          <a:fillRef idx="2">
+            <a:schemeClr val="accent2"/>
+          </a:fillRef>
+          <a:effectRef idx="1">
+            <a:schemeClr val="accent2"/>
+          </a:effectRef>
+          <a:fontRef idx="minor">
+            <a:schemeClr val="dk1"/>
+          </a:fontRef>
+        </p:style>
+      </p:cxnSp>
+      <p:cxnSp>
+        <p:nvCxnSpPr>
+          <p:cNvPr id="101" name="Elbow Connector 63">
+            <a:extLst>
+              <a:ext uri="{FF2B5EF4-FFF2-40B4-BE49-F238E27FC236}">
+                <a16:creationId xmlns:a16="http://schemas.microsoft.com/office/drawing/2014/main" id="{A3140067-7A03-4F07-BE1F-44A55A73773F}"/>
+              </a:ext>
+            </a:extLst>
+          </p:cNvPr>
+          <p:cNvCxnSpPr>
+            <a:cxnSpLocks/>
+            <a:stCxn id="64" idx="2"/>
+            <a:endCxn id="16" idx="3"/>
+          </p:cNvCxnSpPr>
+          <p:nvPr/>
+        </p:nvCxnSpPr>
+        <p:spPr>
+          <a:xfrm rot="5400000" flipH="1" flipV="1">
+            <a:off x="3121951" y="1504604"/>
+            <a:ext cx="2590799" cy="2477194"/>
+          </a:xfrm>
+          <a:prstGeom prst="bentConnector3">
+            <a:avLst>
+              <a:gd name="adj1" fmla="val -2341"/>
+            </a:avLst>
+          </a:prstGeom>
+          <a:ln w="6350">
+            <a:solidFill>
+              <a:schemeClr val="accent3"/>
+            </a:solidFill>
+            <a:headEnd type="none" w="med" len="med"/>
+            <a:tailEnd type="none" w="med" len="med"/>
+          </a:ln>
+          <a:effectLst/>
+        </p:spPr>
+        <p:style>
+          <a:lnRef idx="1">
+            <a:schemeClr val="accent2"/>
+          </a:lnRef>
+          <a:fillRef idx="2">
+            <a:schemeClr val="accent2"/>
+          </a:fillRef>
+          <a:effectRef idx="1">
+            <a:schemeClr val="accent2"/>
+          </a:effectRef>
+          <a:fontRef idx="minor">
+            <a:schemeClr val="dk1"/>
+          </a:fontRef>
+        </p:style>
+      </p:cxnSp>
+      <p:cxnSp>
+        <p:nvCxnSpPr>
+          <p:cNvPr id="104" name="Elbow Connector 63">
+            <a:extLst>
+              <a:ext uri="{FF2B5EF4-FFF2-40B4-BE49-F238E27FC236}">
+                <a16:creationId xmlns:a16="http://schemas.microsoft.com/office/drawing/2014/main" id="{774EBA0E-4F67-499F-8AA1-52AC8825D56C}"/>
+              </a:ext>
+            </a:extLst>
+          </p:cNvPr>
+          <p:cNvCxnSpPr>
+            <a:cxnSpLocks/>
+            <a:endCxn id="16" idx="3"/>
+          </p:cNvCxnSpPr>
+          <p:nvPr/>
+        </p:nvCxnSpPr>
+        <p:spPr>
+          <a:xfrm rot="5400000" flipH="1" flipV="1">
+            <a:off x="2860141" y="2422497"/>
+            <a:ext cx="3770502" cy="1821111"/>
+          </a:xfrm>
+          <a:prstGeom prst="bentConnector3">
+            <a:avLst>
+              <a:gd name="adj1" fmla="val -730"/>
+            </a:avLst>
+          </a:prstGeom>
+          <a:ln w="6350">
+            <a:solidFill>
+              <a:schemeClr val="accent3"/>
+            </a:solidFill>
+            <a:headEnd type="none" w="med" len="med"/>
+            <a:tailEnd type="none" w="med" len="med"/>
+          </a:ln>
+          <a:effectLst/>
+        </p:spPr>
+        <p:style>
+          <a:lnRef idx="1">
+            <a:schemeClr val="accent2"/>
+          </a:lnRef>
+          <a:fillRef idx="2">
+            <a:schemeClr val="accent2"/>
+          </a:fillRef>
+          <a:effectRef idx="1">
+            <a:schemeClr val="accent2"/>
+          </a:effectRef>
+          <a:fontRef idx="minor">
+            <a:schemeClr val="dk1"/>
+          </a:fontRef>
+        </p:style>
+      </p:cxnSp>
+      <p:cxnSp>
+        <p:nvCxnSpPr>
+          <p:cNvPr id="108" name="Elbow Connector 63">
+            <a:extLst>
+              <a:ext uri="{FF2B5EF4-FFF2-40B4-BE49-F238E27FC236}">
+                <a16:creationId xmlns:a16="http://schemas.microsoft.com/office/drawing/2014/main" id="{493628AD-A575-438E-9B1D-290D5E20FF17}"/>
+              </a:ext>
+            </a:extLst>
+          </p:cNvPr>
+          <p:cNvCxnSpPr>
+            <a:cxnSpLocks/>
+            <a:stCxn id="45" idx="0"/>
+            <a:endCxn id="16" idx="3"/>
+          </p:cNvCxnSpPr>
+          <p:nvPr/>
+        </p:nvCxnSpPr>
+        <p:spPr>
+          <a:xfrm rot="5400000" flipH="1" flipV="1">
+            <a:off x="2701882" y="1922367"/>
+            <a:ext cx="3428632" cy="2479500"/>
+          </a:xfrm>
+          <a:prstGeom prst="bentConnector3">
+            <a:avLst>
+              <a:gd name="adj1" fmla="val 2648"/>
+            </a:avLst>
+          </a:prstGeom>
+          <a:ln w="6350">
+            <a:solidFill>
+              <a:schemeClr val="accent3"/>
+            </a:solidFill>
+            <a:headEnd type="none" w="med" len="med"/>
+            <a:tailEnd type="none" w="med" len="med"/>
+          </a:ln>
+          <a:effectLst/>
+        </p:spPr>
+        <p:style>
+          <a:lnRef idx="1">
+            <a:schemeClr val="accent2"/>
+          </a:lnRef>
+          <a:fillRef idx="2">
+            <a:schemeClr val="accent2"/>
+          </a:fillRef>
+          <a:effectRef idx="1">
+            <a:schemeClr val="accent2"/>
+          </a:effectRef>
+          <a:fontRef idx="minor">
+            <a:schemeClr val="dk1"/>
+          </a:fontRef>
+        </p:style>
+      </p:cxnSp>
+      <p:cxnSp>
+        <p:nvCxnSpPr>
+          <p:cNvPr id="112" name="Elbow Connector 63">
+            <a:extLst>
+              <a:ext uri="{FF2B5EF4-FFF2-40B4-BE49-F238E27FC236}">
+                <a16:creationId xmlns:a16="http://schemas.microsoft.com/office/drawing/2014/main" id="{43732C43-4520-4C91-A4AB-27F235756BC9}"/>
+              </a:ext>
+            </a:extLst>
+          </p:cNvPr>
+          <p:cNvCxnSpPr>
+            <a:cxnSpLocks/>
+            <a:stCxn id="68" idx="3"/>
+            <a:endCxn id="16" idx="3"/>
+          </p:cNvCxnSpPr>
+          <p:nvPr/>
+        </p:nvCxnSpPr>
+        <p:spPr>
+          <a:xfrm flipV="1">
+            <a:off x="5058705" y="1447801"/>
+            <a:ext cx="597243" cy="2839946"/>
+          </a:xfrm>
+          <a:prstGeom prst="bentConnector2">
+            <a:avLst/>
+          </a:prstGeom>
+          <a:ln w="6350">
+            <a:solidFill>
+              <a:schemeClr val="accent3"/>
+            </a:solidFill>
+            <a:headEnd type="none" w="med" len="med"/>
+            <a:tailEnd type="none" w="med" len="med"/>
+          </a:ln>
+          <a:effectLst/>
+        </p:spPr>
+        <p:style>
+          <a:lnRef idx="1">
+            <a:schemeClr val="accent2"/>
+          </a:lnRef>
+          <a:fillRef idx="2">
+            <a:schemeClr val="accent2"/>
+          </a:fillRef>
+          <a:effectRef idx="1">
+            <a:schemeClr val="accent2"/>
+          </a:effectRef>
+          <a:fontRef idx="minor">
+            <a:schemeClr val="dk1"/>
+          </a:fontRef>
+        </p:style>
+      </p:cxnSp>
+      <p:cxnSp>
+        <p:nvCxnSpPr>
+          <p:cNvPr id="115" name="Elbow Connector 63">
+            <a:extLst>
+              <a:ext uri="{FF2B5EF4-FFF2-40B4-BE49-F238E27FC236}">
+                <a16:creationId xmlns:a16="http://schemas.microsoft.com/office/drawing/2014/main" id="{36DDFECE-D7EE-47A4-B1FA-0EB955613507}"/>
+              </a:ext>
+            </a:extLst>
+          </p:cNvPr>
+          <p:cNvCxnSpPr>
+            <a:cxnSpLocks/>
+            <a:stCxn id="67" idx="0"/>
+            <a:endCxn id="16" idx="3"/>
+          </p:cNvCxnSpPr>
+          <p:nvPr/>
+        </p:nvCxnSpPr>
+        <p:spPr>
+          <a:xfrm rot="5400000" flipH="1" flipV="1">
+            <a:off x="2970141" y="1474051"/>
+            <a:ext cx="2712057" cy="2659558"/>
+          </a:xfrm>
+          <a:prstGeom prst="bentConnector3">
+            <a:avLst>
+              <a:gd name="adj1" fmla="val 2178"/>
+            </a:avLst>
+          </a:prstGeom>
+          <a:ln w="6350">
+            <a:solidFill>
+              <a:schemeClr val="accent3"/>
+            </a:solidFill>
+            <a:headEnd type="none" w="med" len="med"/>
+            <a:tailEnd type="none" w="med" len="med"/>
+          </a:ln>
+          <a:effectLst/>
+        </p:spPr>
+        <p:style>
+          <a:lnRef idx="1">
+            <a:schemeClr val="accent2"/>
+          </a:lnRef>
+          <a:fillRef idx="2">
+            <a:schemeClr val="accent2"/>
+          </a:fillRef>
+          <a:effectRef idx="1">
+            <a:schemeClr val="accent2"/>
+          </a:effectRef>
+          <a:fontRef idx="minor">
+            <a:schemeClr val="dk1"/>
+          </a:fontRef>
+        </p:style>
+      </p:cxnSp>
+      <p:cxnSp>
+        <p:nvCxnSpPr>
+          <p:cNvPr id="128" name="Elbow Connector 63">
+            <a:extLst>
+              <a:ext uri="{FF2B5EF4-FFF2-40B4-BE49-F238E27FC236}">
+                <a16:creationId xmlns:a16="http://schemas.microsoft.com/office/drawing/2014/main" id="{8EDCAC6B-3CC2-408B-A99D-D2FD68A73626}"/>
+              </a:ext>
+            </a:extLst>
+          </p:cNvPr>
+          <p:cNvCxnSpPr>
+            <a:cxnSpLocks/>
+            <a:stCxn id="2" idx="2"/>
+            <a:endCxn id="16" idx="3"/>
+          </p:cNvCxnSpPr>
+          <p:nvPr/>
+        </p:nvCxnSpPr>
+        <p:spPr>
+          <a:xfrm rot="5400000" flipH="1" flipV="1">
+            <a:off x="3911134" y="104967"/>
+            <a:ext cx="401980" cy="3087647"/>
+          </a:xfrm>
+          <a:prstGeom prst="bentConnector3">
+            <a:avLst>
+              <a:gd name="adj1" fmla="val -38300"/>
+            </a:avLst>
+          </a:prstGeom>
+          <a:ln w="6350">
+            <a:solidFill>
+              <a:schemeClr val="accent3"/>
+            </a:solidFill>
+            <a:headEnd type="none" w="med" len="med"/>
+            <a:tailEnd type="none" w="med" len="med"/>
+          </a:ln>
+          <a:effectLst/>
+        </p:spPr>
+        <p:style>
+          <a:lnRef idx="1">
+            <a:schemeClr val="accent2"/>
+          </a:lnRef>
+          <a:fillRef idx="2">
+            <a:schemeClr val="accent2"/>
+          </a:fillRef>
+          <a:effectRef idx="1">
+            <a:schemeClr val="accent2"/>
+          </a:effectRef>
+          <a:fontRef idx="minor">
+            <a:schemeClr val="dk1"/>
+          </a:fontRef>
+        </p:style>
+      </p:cxnSp>
+      <p:sp>
+        <p:nvSpPr>
+          <p:cNvPr id="133" name="Rectangle 8">
+            <a:extLst>
+              <a:ext uri="{FF2B5EF4-FFF2-40B4-BE49-F238E27FC236}">
+                <a16:creationId xmlns:a16="http://schemas.microsoft.com/office/drawing/2014/main" id="{EDA5E314-1929-4130-AC09-4E02DC7FE918}"/>
+              </a:ext>
+            </a:extLst>
+          </p:cNvPr>
+          <p:cNvSpPr/>
+          <p:nvPr/>
+        </p:nvSpPr>
+        <p:spPr>
+          <a:xfrm>
+            <a:off x="4091446" y="3573290"/>
+            <a:ext cx="1244951" cy="377561"/>
+          </a:xfrm>
+          <a:prstGeom prst="rect">
+            <a:avLst/>
+          </a:prstGeom>
+          <a:ln w="19050">
+            <a:solidFill>
+              <a:schemeClr val="accent3"/>
+            </a:solidFill>
+          </a:ln>
+          <a:effectLst/>
+        </p:spPr>
+        <p:style>
+          <a:lnRef idx="1">
+            <a:schemeClr val="accent3"/>
+          </a:lnRef>
+          <a:fillRef idx="2">
+            <a:schemeClr val="accent3"/>
+          </a:fillRef>
+          <a:effectRef idx="1">
+            <a:schemeClr val="accent3"/>
+          </a:effectRef>
+          <a:fontRef idx="minor">
+            <a:schemeClr val="dk1"/>
+          </a:fontRef>
+        </p:style>
+        <p:txBody>
+          <a:bodyPr rtlCol="0" anchor="ctr"/>
+          <a:lstStyle/>
+          <a:p>
+            <a:pPr algn="ctr"/>
+            <a:r>
+              <a:rPr lang="en-US" sz="1050" b="1" dirty="0">
+                <a:solidFill>
+                  <a:schemeClr val="accent3">
+                    <a:lumMod val="75000"/>
+                  </a:schemeClr>
+                </a:solidFill>
+              </a:rPr>
+              <a:t>&lt;&lt;Singleton&gt;&gt;</a:t>
+            </a:r>
+            <a:br>
+              <a:rPr lang="en-US" sz="1050" b="1" dirty="0">
+                <a:solidFill>
+                  <a:schemeClr val="accent3">
+                    <a:lumMod val="75000"/>
+                  </a:schemeClr>
+                </a:solidFill>
+              </a:rPr>
+            </a:br>
+            <a:r>
+              <a:rPr lang="en-US" sz="1050" b="1" dirty="0" err="1">
+                <a:solidFill>
+                  <a:schemeClr val="accent3">
+                    <a:lumMod val="75000"/>
+                  </a:schemeClr>
+                </a:solidFill>
+              </a:rPr>
+              <a:t>WebViewManager</a:t>
+            </a:r>
+            <a:endParaRPr lang="en-SG" sz="1050" b="1" dirty="0">
+              <a:solidFill>
+                <a:schemeClr val="accent3">
+                  <a:lumMod val="75000"/>
+                </a:schemeClr>
+              </a:solidFill>
+            </a:endParaRPr>
+          </a:p>
+        </p:txBody>
+      </p:sp>
+      <p:cxnSp>
+        <p:nvCxnSpPr>
+          <p:cNvPr id="135" name="Elbow Connector 63">
+            <a:extLst>
+              <a:ext uri="{FF2B5EF4-FFF2-40B4-BE49-F238E27FC236}">
+                <a16:creationId xmlns:a16="http://schemas.microsoft.com/office/drawing/2014/main" id="{89784F45-0600-4A6B-8BCD-0A2FBF7609A7}"/>
+              </a:ext>
+            </a:extLst>
+          </p:cNvPr>
+          <p:cNvCxnSpPr>
+            <a:cxnSpLocks/>
+            <a:stCxn id="63" idx="3"/>
+            <a:endCxn id="133" idx="1"/>
+          </p:cNvCxnSpPr>
+          <p:nvPr/>
+        </p:nvCxnSpPr>
+        <p:spPr>
+          <a:xfrm>
+            <a:off x="3762888" y="3583137"/>
+            <a:ext cx="328558" cy="178934"/>
+          </a:xfrm>
+          <a:prstGeom prst="bentConnector3">
+            <a:avLst>
+              <a:gd name="adj1" fmla="val 50000"/>
+            </a:avLst>
+          </a:prstGeom>
+          <a:ln w="19050">
+            <a:solidFill>
+              <a:schemeClr val="accent3"/>
+            </a:solidFill>
+            <a:prstDash val="sysDot"/>
+            <a:headEnd type="none" w="med" len="med"/>
+            <a:tailEnd type="arrow" w="med" len="med"/>
+          </a:ln>
+          <a:effectLst/>
+        </p:spPr>
+        <p:style>
+          <a:lnRef idx="1">
+            <a:schemeClr val="accent2"/>
+          </a:lnRef>
+          <a:fillRef idx="2">
+            <a:schemeClr val="accent2"/>
+          </a:fillRef>
+          <a:effectRef idx="1">
+            <a:schemeClr val="accent2"/>
+          </a:effectRef>
+          <a:fontRef idx="minor">
+            <a:schemeClr val="dk1"/>
+          </a:fontRef>
+        </p:style>
+      </p:cxnSp>
+      <p:cxnSp>
+        <p:nvCxnSpPr>
+          <p:cNvPr id="142" name="Elbow Connector 63">
+            <a:extLst>
+              <a:ext uri="{FF2B5EF4-FFF2-40B4-BE49-F238E27FC236}">
+                <a16:creationId xmlns:a16="http://schemas.microsoft.com/office/drawing/2014/main" id="{5E37A408-47A1-48CF-9F80-83A66DE1157E}"/>
+              </a:ext>
+            </a:extLst>
+          </p:cNvPr>
+          <p:cNvCxnSpPr>
+            <a:cxnSpLocks/>
+            <a:stCxn id="64" idx="3"/>
+            <a:endCxn id="133" idx="1"/>
+          </p:cNvCxnSpPr>
+          <p:nvPr/>
+        </p:nvCxnSpPr>
+        <p:spPr>
+          <a:xfrm flipV="1">
+            <a:off x="3834836" y="3762071"/>
+            <a:ext cx="256610" cy="144769"/>
+          </a:xfrm>
+          <a:prstGeom prst="bentConnector3">
+            <a:avLst>
+              <a:gd name="adj1" fmla="val 50000"/>
+            </a:avLst>
+          </a:prstGeom>
+          <a:ln w="19050">
+            <a:solidFill>
+              <a:schemeClr val="accent3"/>
+            </a:solidFill>
+            <a:prstDash val="sysDot"/>
             <a:headEnd type="none" w="med" len="med"/>
             <a:tailEnd type="arrow" w="med" len="med"/>
           </a:ln>

--- a/docs/diagrams/UiComponentClassDiagram.pptx
+++ b/docs/diagrams/UiComponentClassDiagram.pptx
@@ -208,7 +208,7 @@
           <a:p>
             <a:fld id="{F5CC4B3F-88C1-4FFA-B1B6-F41C21DC6924}" type="datetimeFigureOut">
               <a:rPr lang="en-US" smtClean="0"/>
-              <a:t>4/10/2018</a:t>
+              <a:t>4/13/2018</a:t>
             </a:fld>
             <a:endParaRPr lang="en-US"/>
           </a:p>
@@ -654,7 +654,7 @@
           <a:p>
             <a:fld id="{78C97017-6FC3-485B-9764-EAC9E56C1D49}" type="datetimeFigureOut">
               <a:rPr lang="en-US" smtClean="0"/>
-              <a:t>4/10/2018</a:t>
+              <a:t>4/13/2018</a:t>
             </a:fld>
             <a:endParaRPr lang="en-US"/>
           </a:p>
@@ -822,7 +822,7 @@
           <a:p>
             <a:fld id="{78C97017-6FC3-485B-9764-EAC9E56C1D49}" type="datetimeFigureOut">
               <a:rPr lang="en-US" smtClean="0"/>
-              <a:t>4/10/2018</a:t>
+              <a:t>4/13/2018</a:t>
             </a:fld>
             <a:endParaRPr lang="en-US"/>
           </a:p>
@@ -1000,7 +1000,7 @@
           <a:p>
             <a:fld id="{78C97017-6FC3-485B-9764-EAC9E56C1D49}" type="datetimeFigureOut">
               <a:rPr lang="en-US" smtClean="0"/>
-              <a:t>4/10/2018</a:t>
+              <a:t>4/13/2018</a:t>
             </a:fld>
             <a:endParaRPr lang="en-US"/>
           </a:p>
@@ -1168,7 +1168,7 @@
           <a:p>
             <a:fld id="{78C97017-6FC3-485B-9764-EAC9E56C1D49}" type="datetimeFigureOut">
               <a:rPr lang="en-US" smtClean="0"/>
-              <a:t>4/10/2018</a:t>
+              <a:t>4/13/2018</a:t>
             </a:fld>
             <a:endParaRPr lang="en-US"/>
           </a:p>
@@ -1413,7 +1413,7 @@
           <a:p>
             <a:fld id="{78C97017-6FC3-485B-9764-EAC9E56C1D49}" type="datetimeFigureOut">
               <a:rPr lang="en-US" smtClean="0"/>
-              <a:t>4/10/2018</a:t>
+              <a:t>4/13/2018</a:t>
             </a:fld>
             <a:endParaRPr lang="en-US"/>
           </a:p>
@@ -1698,7 +1698,7 @@
           <a:p>
             <a:fld id="{78C97017-6FC3-485B-9764-EAC9E56C1D49}" type="datetimeFigureOut">
               <a:rPr lang="en-US" smtClean="0"/>
-              <a:t>4/10/2018</a:t>
+              <a:t>4/13/2018</a:t>
             </a:fld>
             <a:endParaRPr lang="en-US"/>
           </a:p>
@@ -2117,7 +2117,7 @@
           <a:p>
             <a:fld id="{78C97017-6FC3-485B-9764-EAC9E56C1D49}" type="datetimeFigureOut">
               <a:rPr lang="en-US" smtClean="0"/>
-              <a:t>4/10/2018</a:t>
+              <a:t>4/13/2018</a:t>
             </a:fld>
             <a:endParaRPr lang="en-US"/>
           </a:p>
@@ -2234,7 +2234,7 @@
           <a:p>
             <a:fld id="{78C97017-6FC3-485B-9764-EAC9E56C1D49}" type="datetimeFigureOut">
               <a:rPr lang="en-US" smtClean="0"/>
-              <a:t>4/10/2018</a:t>
+              <a:t>4/13/2018</a:t>
             </a:fld>
             <a:endParaRPr lang="en-US"/>
           </a:p>
@@ -2329,7 +2329,7 @@
           <a:p>
             <a:fld id="{78C97017-6FC3-485B-9764-EAC9E56C1D49}" type="datetimeFigureOut">
               <a:rPr lang="en-US" smtClean="0"/>
-              <a:t>4/10/2018</a:t>
+              <a:t>4/13/2018</a:t>
             </a:fld>
             <a:endParaRPr lang="en-US"/>
           </a:p>
@@ -2604,7 +2604,7 @@
           <a:p>
             <a:fld id="{78C97017-6FC3-485B-9764-EAC9E56C1D49}" type="datetimeFigureOut">
               <a:rPr lang="en-US" smtClean="0"/>
-              <a:t>4/10/2018</a:t>
+              <a:t>4/13/2018</a:t>
             </a:fld>
             <a:endParaRPr lang="en-US"/>
           </a:p>
@@ -2856,7 +2856,7 @@
           <a:p>
             <a:fld id="{78C97017-6FC3-485B-9764-EAC9E56C1D49}" type="datetimeFigureOut">
               <a:rPr lang="en-US" smtClean="0"/>
-              <a:t>4/10/2018</a:t>
+              <a:t>4/13/2018</a:t>
             </a:fld>
             <a:endParaRPr lang="en-US"/>
           </a:p>
@@ -3067,7 +3067,7 @@
           <a:p>
             <a:fld id="{78C97017-6FC3-485B-9764-EAC9E56C1D49}" type="datetimeFigureOut">
               <a:rPr lang="en-US" smtClean="0"/>
-              <a:t>4/10/2018</a:t>
+              <a:t>4/13/2018</a:t>
             </a:fld>
             <a:endParaRPr lang="en-US"/>
           </a:p>
@@ -3450,8 +3450,8 @@
         </p:nvSpPr>
         <p:spPr>
           <a:xfrm>
-            <a:off x="1143000" y="609599"/>
-            <a:ext cx="4917083" cy="5638799"/>
+            <a:off x="1143000" y="609600"/>
+            <a:ext cx="4917083" cy="5310604"/>
           </a:xfrm>
           <a:prstGeom prst="roundRect">
             <a:avLst>
@@ -3945,7 +3945,7 @@
         </p:nvSpPr>
         <p:spPr>
           <a:xfrm>
-            <a:off x="2518062" y="5533118"/>
+            <a:off x="2518062" y="5183260"/>
             <a:ext cx="1093635" cy="236841"/>
           </a:xfrm>
           <a:prstGeom prst="rect">
@@ -4005,7 +4005,7 @@
         </p:nvSpPr>
         <p:spPr>
           <a:xfrm>
-            <a:off x="2518061" y="4506221"/>
+            <a:off x="2518061" y="4846435"/>
             <a:ext cx="1093635" cy="236841"/>
           </a:xfrm>
           <a:prstGeom prst="rect">
@@ -4065,7 +4065,7 @@
         </p:nvSpPr>
         <p:spPr>
           <a:xfrm>
-            <a:off x="4294829" y="4868631"/>
+            <a:off x="4064815" y="4855903"/>
             <a:ext cx="1040906" cy="236841"/>
           </a:xfrm>
           <a:prstGeom prst="rect">
@@ -4125,7 +4125,7 @@
         </p:nvSpPr>
         <p:spPr>
           <a:xfrm>
-            <a:off x="2518063" y="5935359"/>
+            <a:off x="2518063" y="5585501"/>
             <a:ext cx="1093635" cy="236841"/>
           </a:xfrm>
           <a:prstGeom prst="rect">
@@ -4379,8 +4379,8 @@
         </p:nvCxnSpPr>
         <p:spPr>
           <a:xfrm rot="16200000" flipH="1">
-            <a:off x="1132453" y="3239034"/>
-            <a:ext cx="2594816" cy="176400"/>
+            <a:off x="962346" y="3409141"/>
+            <a:ext cx="2935030" cy="176400"/>
           </a:xfrm>
           <a:prstGeom prst="bentConnector2">
             <a:avLst/>
@@ -4420,8 +4420,8 @@
         </p:nvCxnSpPr>
         <p:spPr>
           <a:xfrm rot="16200000" flipH="1">
-            <a:off x="619005" y="3752481"/>
-            <a:ext cx="3621713" cy="176401"/>
+            <a:off x="793934" y="3577552"/>
+            <a:ext cx="3271855" cy="176401"/>
           </a:xfrm>
           <a:prstGeom prst="bentConnector2">
             <a:avLst/>
@@ -4461,7 +4461,7 @@
         </p:nvCxnSpPr>
         <p:spPr>
           <a:xfrm rot="16200000" flipH="1">
-            <a:off x="213132" y="3748848"/>
+            <a:off x="213132" y="3398990"/>
             <a:ext cx="4203999" cy="405863"/>
           </a:xfrm>
           <a:prstGeom prst="bentConnector2">
@@ -4622,8 +4622,8 @@
         </p:nvCxnSpPr>
         <p:spPr>
           <a:xfrm rot="5400000">
-            <a:off x="3726217" y="3057320"/>
-            <a:ext cx="3539251" cy="320213"/>
+            <a:off x="3617574" y="2935949"/>
+            <a:ext cx="3526523" cy="550227"/>
           </a:xfrm>
           <a:prstGeom prst="bentConnector2">
             <a:avLst/>
@@ -4705,8 +4705,8 @@
         </p:nvCxnSpPr>
         <p:spPr>
           <a:xfrm rot="5400000">
-            <a:off x="2531954" y="2527545"/>
-            <a:ext cx="4203738" cy="2044251"/>
+            <a:off x="2706883" y="2352616"/>
+            <a:ext cx="3853880" cy="2044251"/>
           </a:xfrm>
           <a:prstGeom prst="bentConnector2">
             <a:avLst/>
@@ -4746,8 +4746,8 @@
         </p:nvCxnSpPr>
         <p:spPr>
           <a:xfrm rot="5400000">
-            <a:off x="2330834" y="2728665"/>
-            <a:ext cx="4605979" cy="2044250"/>
+            <a:off x="2505763" y="2553736"/>
+            <a:ext cx="4256121" cy="2044250"/>
           </a:xfrm>
           <a:prstGeom prst="bentConnector2">
             <a:avLst/>
@@ -4825,8 +4825,8 @@
         </p:nvSpPr>
         <p:spPr>
           <a:xfrm rot="16200000">
-            <a:off x="5301076" y="4560375"/>
-            <a:ext cx="3048000" cy="328045"/>
+            <a:off x="5465174" y="4396278"/>
+            <a:ext cx="2719806" cy="328045"/>
           </a:xfrm>
           <a:prstGeom prst="roundRect">
             <a:avLst/>
@@ -5134,8 +5134,8 @@
         </p:nvCxnSpPr>
         <p:spPr>
           <a:xfrm>
-            <a:off x="3611696" y="4624642"/>
-            <a:ext cx="683133" cy="362410"/>
+            <a:off x="3611696" y="4964856"/>
+            <a:ext cx="453119" cy="9468"/>
           </a:xfrm>
           <a:prstGeom prst="bentConnector3">
             <a:avLst>
@@ -5170,18 +5170,21 @@
         <p:nvCxnSpPr>
           <p:cNvPr id="140" name="Elbow Connector 63"/>
           <p:cNvCxnSpPr>
+            <a:cxnSpLocks/>
             <a:stCxn id="16" idx="3"/>
-            <a:endCxn id="36" idx="3"/>
+            <a:endCxn id="36" idx="0"/>
           </p:cNvCxnSpPr>
           <p:nvPr/>
         </p:nvCxnSpPr>
         <p:spPr>
           <a:xfrm rot="5400000">
-            <a:off x="3045402" y="2014095"/>
-            <a:ext cx="3176841" cy="2044252"/>
-          </a:xfrm>
-          <a:prstGeom prst="bentConnector2">
-            <a:avLst/>
+            <a:off x="2661097" y="1851584"/>
+            <a:ext cx="3398634" cy="2591069"/>
+          </a:xfrm>
+          <a:prstGeom prst="bentConnector3">
+            <a:avLst>
+              <a:gd name="adj1" fmla="val 97221"/>
+            </a:avLst>
           </a:prstGeom>
           <a:ln w="6350">
             <a:solidFill>
@@ -5403,7 +5406,7 @@
         </p:nvSpPr>
         <p:spPr>
           <a:xfrm flipV="1">
-            <a:off x="4726135" y="5097231"/>
+            <a:off x="4704659" y="5111716"/>
             <a:ext cx="1956394" cy="93700"/>
           </a:xfrm>
           <a:custGeom>
@@ -5479,334 +5482,6 @@
       </p:sp>
       <p:sp>
         <p:nvSpPr>
-          <p:cNvPr id="45" name="Rectangle 11">
-            <a:extLst>
-              <a:ext uri="{FF2B5EF4-FFF2-40B4-BE49-F238E27FC236}">
-                <a16:creationId xmlns:a16="http://schemas.microsoft.com/office/drawing/2014/main" id="{42828400-9B3F-4E66-9061-EFCF62E39DFA}"/>
-              </a:ext>
-            </a:extLst>
-          </p:cNvPr>
-          <p:cNvSpPr/>
-          <p:nvPr/>
-        </p:nvSpPr>
-        <p:spPr>
-          <a:xfrm>
-            <a:off x="2518060" y="4876433"/>
-            <a:ext cx="1316776" cy="231275"/>
-          </a:xfrm>
-          <a:prstGeom prst="rect">
-            <a:avLst/>
-          </a:prstGeom>
-          <a:ln w="19050">
-            <a:solidFill>
-              <a:schemeClr val="accent3"/>
-            </a:solidFill>
-          </a:ln>
-          <a:effectLst/>
-        </p:spPr>
-        <p:style>
-          <a:lnRef idx="1">
-            <a:schemeClr val="accent3"/>
-          </a:lnRef>
-          <a:fillRef idx="2">
-            <a:schemeClr val="accent3"/>
-          </a:fillRef>
-          <a:effectRef idx="1">
-            <a:schemeClr val="accent3"/>
-          </a:effectRef>
-          <a:fontRef idx="minor">
-            <a:schemeClr val="dk1"/>
-          </a:fontRef>
-        </p:style>
-        <p:txBody>
-          <a:bodyPr rtlCol="0" anchor="ctr"/>
-          <a:lstStyle/>
-          <a:p>
-            <a:pPr algn="ctr"/>
-            <a:r>
-              <a:rPr lang="en-US" sz="1050" b="1" dirty="0" err="1">
-                <a:solidFill>
-                  <a:schemeClr val="accent3">
-                    <a:lumMod val="75000"/>
-                  </a:schemeClr>
-                </a:solidFill>
-              </a:rPr>
-              <a:t>SearchResultsPanel</a:t>
-            </a:r>
-            <a:endParaRPr lang="en-SG" sz="1050" b="1" dirty="0">
-              <a:solidFill>
-                <a:schemeClr val="accent3">
-                  <a:lumMod val="75000"/>
-                </a:schemeClr>
-              </a:solidFill>
-            </a:endParaRPr>
-          </a:p>
-        </p:txBody>
-      </p:sp>
-      <p:sp>
-        <p:nvSpPr>
-          <p:cNvPr id="46" name="Rectangle 11">
-            <a:extLst>
-              <a:ext uri="{FF2B5EF4-FFF2-40B4-BE49-F238E27FC236}">
-                <a16:creationId xmlns:a16="http://schemas.microsoft.com/office/drawing/2014/main" id="{03AE126C-84F7-49A3-81DC-6A6CEF44648D}"/>
-              </a:ext>
-            </a:extLst>
-          </p:cNvPr>
-          <p:cNvSpPr/>
-          <p:nvPr/>
-        </p:nvSpPr>
-        <p:spPr>
-          <a:xfrm>
-            <a:off x="2518060" y="5190408"/>
-            <a:ext cx="1316776" cy="266518"/>
-          </a:xfrm>
-          <a:prstGeom prst="rect">
-            <a:avLst/>
-          </a:prstGeom>
-          <a:ln w="19050">
-            <a:solidFill>
-              <a:schemeClr val="accent3"/>
-            </a:solidFill>
-          </a:ln>
-          <a:effectLst/>
-        </p:spPr>
-        <p:style>
-          <a:lnRef idx="1">
-            <a:schemeClr val="accent3"/>
-          </a:lnRef>
-          <a:fillRef idx="2">
-            <a:schemeClr val="accent3"/>
-          </a:fillRef>
-          <a:effectRef idx="1">
-            <a:schemeClr val="accent3"/>
-          </a:effectRef>
-          <a:fontRef idx="minor">
-            <a:schemeClr val="dk1"/>
-          </a:fontRef>
-        </p:style>
-        <p:txBody>
-          <a:bodyPr rtlCol="0" anchor="ctr"/>
-          <a:lstStyle/>
-          <a:p>
-            <a:pPr algn="ctr"/>
-            <a:r>
-              <a:rPr lang="en-US" sz="1050" b="1" dirty="0" err="1">
-                <a:solidFill>
-                  <a:schemeClr val="accent3">
-                    <a:lumMod val="75000"/>
-                  </a:schemeClr>
-                </a:solidFill>
-              </a:rPr>
-              <a:t>RecentBooksPanel</a:t>
-            </a:r>
-            <a:endParaRPr lang="en-SG" sz="1050" b="1" dirty="0">
-              <a:solidFill>
-                <a:schemeClr val="accent3">
-                  <a:lumMod val="75000"/>
-                </a:schemeClr>
-              </a:solidFill>
-            </a:endParaRPr>
-          </a:p>
-        </p:txBody>
-      </p:sp>
-      <p:cxnSp>
-        <p:nvCxnSpPr>
-          <p:cNvPr id="48" name="Elbow Connector 63">
-            <a:extLst>
-              <a:ext uri="{FF2B5EF4-FFF2-40B4-BE49-F238E27FC236}">
-                <a16:creationId xmlns:a16="http://schemas.microsoft.com/office/drawing/2014/main" id="{335C5B4D-728B-4889-80E4-06606773AA1F}"/>
-              </a:ext>
-            </a:extLst>
-          </p:cNvPr>
-          <p:cNvCxnSpPr>
-            <a:cxnSpLocks/>
-            <a:stCxn id="39" idx="2"/>
-            <a:endCxn id="45" idx="1"/>
-          </p:cNvCxnSpPr>
-          <p:nvPr/>
-        </p:nvCxnSpPr>
-        <p:spPr>
-          <a:xfrm rot="16200000" flipH="1">
-            <a:off x="948738" y="3422748"/>
-            <a:ext cx="2962245" cy="176399"/>
-          </a:xfrm>
-          <a:prstGeom prst="bentConnector2">
-            <a:avLst/>
-          </a:prstGeom>
-          <a:ln w="19050">
-            <a:solidFill>
-              <a:schemeClr val="accent3"/>
-            </a:solidFill>
-            <a:headEnd type="none" w="med" len="med"/>
-            <a:tailEnd type="arrow" w="med" len="med"/>
-          </a:ln>
-          <a:effectLst/>
-        </p:spPr>
-        <p:style>
-          <a:lnRef idx="1">
-            <a:schemeClr val="accent2"/>
-          </a:lnRef>
-          <a:fillRef idx="2">
-            <a:schemeClr val="accent2"/>
-          </a:fillRef>
-          <a:effectRef idx="1">
-            <a:schemeClr val="accent2"/>
-          </a:effectRef>
-          <a:fontRef idx="minor">
-            <a:schemeClr val="dk1"/>
-          </a:fontRef>
-        </p:style>
-      </p:cxnSp>
-      <p:cxnSp>
-        <p:nvCxnSpPr>
-          <p:cNvPr id="51" name="Elbow Connector 63">
-            <a:extLst>
-              <a:ext uri="{FF2B5EF4-FFF2-40B4-BE49-F238E27FC236}">
-                <a16:creationId xmlns:a16="http://schemas.microsoft.com/office/drawing/2014/main" id="{244CA2D4-345F-4797-9297-7ED3346EFE4F}"/>
-              </a:ext>
-            </a:extLst>
-          </p:cNvPr>
-          <p:cNvCxnSpPr>
-            <a:cxnSpLocks/>
-            <a:stCxn id="39" idx="2"/>
-            <a:endCxn id="46" idx="1"/>
-          </p:cNvCxnSpPr>
-          <p:nvPr/>
-        </p:nvCxnSpPr>
-        <p:spPr>
-          <a:xfrm rot="16200000" flipH="1">
-            <a:off x="782940" y="3588546"/>
-            <a:ext cx="3293841" cy="176399"/>
-          </a:xfrm>
-          <a:prstGeom prst="bentConnector2">
-            <a:avLst/>
-          </a:prstGeom>
-          <a:ln w="19050">
-            <a:solidFill>
-              <a:schemeClr val="accent3"/>
-            </a:solidFill>
-            <a:headEnd type="none" w="med" len="med"/>
-            <a:tailEnd type="arrow" w="med" len="med"/>
-          </a:ln>
-          <a:effectLst/>
-        </p:spPr>
-        <p:style>
-          <a:lnRef idx="1">
-            <a:schemeClr val="accent2"/>
-          </a:lnRef>
-          <a:fillRef idx="2">
-            <a:schemeClr val="accent2"/>
-          </a:fillRef>
-          <a:effectRef idx="1">
-            <a:schemeClr val="accent2"/>
-          </a:effectRef>
-          <a:fontRef idx="minor">
-            <a:schemeClr val="dk1"/>
-          </a:fontRef>
-        </p:style>
-      </p:cxnSp>
-      <p:cxnSp>
-        <p:nvCxnSpPr>
-          <p:cNvPr id="55" name="Elbow Connector 136">
-            <a:extLst>
-              <a:ext uri="{FF2B5EF4-FFF2-40B4-BE49-F238E27FC236}">
-                <a16:creationId xmlns:a16="http://schemas.microsoft.com/office/drawing/2014/main" id="{3DCF24D0-0894-4BE4-A80E-DF7B7F4C578A}"/>
-              </a:ext>
-            </a:extLst>
-          </p:cNvPr>
-          <p:cNvCxnSpPr>
-            <a:cxnSpLocks/>
-            <a:stCxn id="45" idx="3"/>
-            <a:endCxn id="37" idx="1"/>
-          </p:cNvCxnSpPr>
-          <p:nvPr/>
-        </p:nvCxnSpPr>
-        <p:spPr>
-          <a:xfrm flipV="1">
-            <a:off x="3834836" y="4987052"/>
-            <a:ext cx="459993" cy="5019"/>
-          </a:xfrm>
-          <a:prstGeom prst="bentConnector3">
-            <a:avLst>
-              <a:gd name="adj1" fmla="val 50000"/>
-            </a:avLst>
-          </a:prstGeom>
-          <a:ln w="19050">
-            <a:solidFill>
-              <a:schemeClr val="accent3"/>
-            </a:solidFill>
-            <a:headEnd type="none" w="med" len="med"/>
-            <a:tailEnd type="arrow" w="med" len="med"/>
-          </a:ln>
-          <a:effectLst/>
-        </p:spPr>
-        <p:style>
-          <a:lnRef idx="1">
-            <a:schemeClr val="accent2"/>
-          </a:lnRef>
-          <a:fillRef idx="2">
-            <a:schemeClr val="accent2"/>
-          </a:fillRef>
-          <a:effectRef idx="1">
-            <a:schemeClr val="accent2"/>
-          </a:effectRef>
-          <a:fontRef idx="minor">
-            <a:schemeClr val="dk1"/>
-          </a:fontRef>
-        </p:style>
-      </p:cxnSp>
-      <p:cxnSp>
-        <p:nvCxnSpPr>
-          <p:cNvPr id="58" name="Elbow Connector 136">
-            <a:extLst>
-              <a:ext uri="{FF2B5EF4-FFF2-40B4-BE49-F238E27FC236}">
-                <a16:creationId xmlns:a16="http://schemas.microsoft.com/office/drawing/2014/main" id="{CF4E5FFD-B4BD-4853-88DF-2370934A81CC}"/>
-              </a:ext>
-            </a:extLst>
-          </p:cNvPr>
-          <p:cNvCxnSpPr>
-            <a:cxnSpLocks/>
-            <a:stCxn id="46" idx="3"/>
-            <a:endCxn id="37" idx="1"/>
-          </p:cNvCxnSpPr>
-          <p:nvPr/>
-        </p:nvCxnSpPr>
-        <p:spPr>
-          <a:xfrm flipV="1">
-            <a:off x="3834836" y="4987052"/>
-            <a:ext cx="459993" cy="336615"/>
-          </a:xfrm>
-          <a:prstGeom prst="bentConnector3">
-            <a:avLst>
-              <a:gd name="adj1" fmla="val 50000"/>
-            </a:avLst>
-          </a:prstGeom>
-          <a:ln w="19050">
-            <a:solidFill>
-              <a:schemeClr val="accent3"/>
-            </a:solidFill>
-            <a:headEnd type="none" w="med" len="med"/>
-            <a:tailEnd type="arrow" w="med" len="med"/>
-          </a:ln>
-          <a:effectLst/>
-        </p:spPr>
-        <p:style>
-          <a:lnRef idx="1">
-            <a:schemeClr val="accent2"/>
-          </a:lnRef>
-          <a:fillRef idx="2">
-            <a:schemeClr val="accent2"/>
-          </a:fillRef>
-          <a:effectRef idx="1">
-            <a:schemeClr val="accent2"/>
-          </a:effectRef>
-          <a:fontRef idx="minor">
-            <a:schemeClr val="dk1"/>
-          </a:fontRef>
-        </p:style>
-      </p:cxnSp>
-      <p:sp>
-        <p:nvSpPr>
           <p:cNvPr id="49" name="Flowchart: Decision 48">
             <a:extLst>
               <a:ext uri="{FF2B5EF4-FFF2-40B4-BE49-F238E27FC236}">
@@ -6169,7 +5844,7 @@
         </p:nvSpPr>
         <p:spPr>
           <a:xfrm>
-            <a:off x="2516334" y="4159858"/>
+            <a:off x="2516334" y="4343400"/>
             <a:ext cx="960111" cy="263519"/>
           </a:xfrm>
           <a:prstGeom prst="rect">
@@ -6235,7 +5910,7 @@
         </p:nvSpPr>
         <p:spPr>
           <a:xfrm>
-            <a:off x="4017799" y="4169326"/>
+            <a:off x="4017799" y="4352868"/>
             <a:ext cx="1040906" cy="236841"/>
           </a:xfrm>
           <a:prstGeom prst="rect">
@@ -6305,7 +5980,7 @@
         </p:nvCxnSpPr>
         <p:spPr>
           <a:xfrm flipV="1">
-            <a:off x="3476445" y="4287747"/>
+            <a:off x="3476445" y="4471289"/>
             <a:ext cx="541354" cy="3871"/>
           </a:xfrm>
           <a:prstGeom prst="bentConnector3">
@@ -6351,7 +6026,7 @@
         </p:nvSpPr>
         <p:spPr>
           <a:xfrm flipV="1">
-            <a:off x="4710841" y="4397581"/>
+            <a:off x="4710841" y="4581123"/>
             <a:ext cx="1956394" cy="93700"/>
           </a:xfrm>
           <a:custGeom>
@@ -6653,8 +6328,8 @@
         </p:nvCxnSpPr>
         <p:spPr>
           <a:xfrm rot="16200000" flipH="1">
-            <a:off x="1298101" y="3073385"/>
-            <a:ext cx="2261792" cy="174673"/>
+            <a:off x="1206330" y="3165156"/>
+            <a:ext cx="2445334" cy="174673"/>
           </a:xfrm>
           <a:prstGeom prst="bentConnector2">
             <a:avLst/>
@@ -6804,106 +6479,7 @@
           </a:xfrm>
           <a:prstGeom prst="bentConnector3">
             <a:avLst>
-              <a:gd name="adj1" fmla="val -2341"/>
-            </a:avLst>
-          </a:prstGeom>
-          <a:ln w="6350">
-            <a:solidFill>
-              <a:schemeClr val="accent3"/>
-            </a:solidFill>
-            <a:headEnd type="none" w="med" len="med"/>
-            <a:tailEnd type="none" w="med" len="med"/>
-          </a:ln>
-          <a:effectLst/>
-        </p:spPr>
-        <p:style>
-          <a:lnRef idx="1">
-            <a:schemeClr val="accent2"/>
-          </a:lnRef>
-          <a:fillRef idx="2">
-            <a:schemeClr val="accent2"/>
-          </a:fillRef>
-          <a:effectRef idx="1">
-            <a:schemeClr val="accent2"/>
-          </a:effectRef>
-          <a:fontRef idx="minor">
-            <a:schemeClr val="dk1"/>
-          </a:fontRef>
-        </p:style>
-      </p:cxnSp>
-      <p:cxnSp>
-        <p:nvCxnSpPr>
-          <p:cNvPr id="104" name="Elbow Connector 63">
-            <a:extLst>
-              <a:ext uri="{FF2B5EF4-FFF2-40B4-BE49-F238E27FC236}">
-                <a16:creationId xmlns:a16="http://schemas.microsoft.com/office/drawing/2014/main" id="{774EBA0E-4F67-499F-8AA1-52AC8825D56C}"/>
-              </a:ext>
-            </a:extLst>
-          </p:cNvPr>
-          <p:cNvCxnSpPr>
-            <a:cxnSpLocks/>
-            <a:endCxn id="16" idx="3"/>
-          </p:cNvCxnSpPr>
-          <p:nvPr/>
-        </p:nvCxnSpPr>
-        <p:spPr>
-          <a:xfrm rot="5400000" flipH="1" flipV="1">
-            <a:off x="2860141" y="2422497"/>
-            <a:ext cx="3770502" cy="1821111"/>
-          </a:xfrm>
-          <a:prstGeom prst="bentConnector3">
-            <a:avLst>
-              <a:gd name="adj1" fmla="val -730"/>
-            </a:avLst>
-          </a:prstGeom>
-          <a:ln w="6350">
-            <a:solidFill>
-              <a:schemeClr val="accent3"/>
-            </a:solidFill>
-            <a:headEnd type="none" w="med" len="med"/>
-            <a:tailEnd type="none" w="med" len="med"/>
-          </a:ln>
-          <a:effectLst/>
-        </p:spPr>
-        <p:style>
-          <a:lnRef idx="1">
-            <a:schemeClr val="accent2"/>
-          </a:lnRef>
-          <a:fillRef idx="2">
-            <a:schemeClr val="accent2"/>
-          </a:fillRef>
-          <a:effectRef idx="1">
-            <a:schemeClr val="accent2"/>
-          </a:effectRef>
-          <a:fontRef idx="minor">
-            <a:schemeClr val="dk1"/>
-          </a:fontRef>
-        </p:style>
-      </p:cxnSp>
-      <p:cxnSp>
-        <p:nvCxnSpPr>
-          <p:cNvPr id="108" name="Elbow Connector 63">
-            <a:extLst>
-              <a:ext uri="{FF2B5EF4-FFF2-40B4-BE49-F238E27FC236}">
-                <a16:creationId xmlns:a16="http://schemas.microsoft.com/office/drawing/2014/main" id="{493628AD-A575-438E-9B1D-290D5E20FF17}"/>
-              </a:ext>
-            </a:extLst>
-          </p:cNvPr>
-          <p:cNvCxnSpPr>
-            <a:cxnSpLocks/>
-            <a:stCxn id="45" idx="0"/>
-            <a:endCxn id="16" idx="3"/>
-          </p:cNvCxnSpPr>
-          <p:nvPr/>
-        </p:nvCxnSpPr>
-        <p:spPr>
-          <a:xfrm rot="5400000" flipH="1" flipV="1">
-            <a:off x="2701882" y="1922367"/>
-            <a:ext cx="3428632" cy="2479500"/>
-          </a:xfrm>
-          <a:prstGeom prst="bentConnector3">
-            <a:avLst>
-              <a:gd name="adj1" fmla="val 2648"/>
+              <a:gd name="adj1" fmla="val -3783"/>
             </a:avLst>
           </a:prstGeom>
           <a:ln w="6350">
@@ -6949,7 +6525,7 @@
         <p:spPr>
           <a:xfrm flipV="1">
             <a:off x="5058705" y="1447801"/>
-            <a:ext cx="597243" cy="2839946"/>
+            <a:ext cx="597243" cy="3023488"/>
           </a:xfrm>
           <a:prstGeom prst="bentConnector2">
             <a:avLst/>
@@ -6996,12 +6572,12 @@
         </p:nvCxnSpPr>
         <p:spPr>
           <a:xfrm rot="5400000" flipH="1" flipV="1">
-            <a:off x="2970141" y="1474051"/>
-            <a:ext cx="2712057" cy="2659558"/>
+            <a:off x="2878370" y="1565822"/>
+            <a:ext cx="2895599" cy="2659558"/>
           </a:xfrm>
           <a:prstGeom prst="bentConnector3">
             <a:avLst>
-              <a:gd name="adj1" fmla="val 2178"/>
+              <a:gd name="adj1" fmla="val 3920"/>
             </a:avLst>
           </a:prstGeom>
           <a:ln w="6350">

--- a/docs/diagrams/UiComponentClassDiagram.pptx
+++ b/docs/diagrams/UiComponentClassDiagram.pptx
@@ -208,7 +208,7 @@
           <a:p>
             <a:fld id="{F5CC4B3F-88C1-4FFA-B1B6-F41C21DC6924}" type="datetimeFigureOut">
               <a:rPr lang="en-US" smtClean="0"/>
-              <a:t>4/13/2018</a:t>
+              <a:t>4/15/2018</a:t>
             </a:fld>
             <a:endParaRPr lang="en-US"/>
           </a:p>
@@ -654,7 +654,7 @@
           <a:p>
             <a:fld id="{78C97017-6FC3-485B-9764-EAC9E56C1D49}" type="datetimeFigureOut">
               <a:rPr lang="en-US" smtClean="0"/>
-              <a:t>4/13/2018</a:t>
+              <a:t>4/15/2018</a:t>
             </a:fld>
             <a:endParaRPr lang="en-US"/>
           </a:p>
@@ -822,7 +822,7 @@
           <a:p>
             <a:fld id="{78C97017-6FC3-485B-9764-EAC9E56C1D49}" type="datetimeFigureOut">
               <a:rPr lang="en-US" smtClean="0"/>
-              <a:t>4/13/2018</a:t>
+              <a:t>4/15/2018</a:t>
             </a:fld>
             <a:endParaRPr lang="en-US"/>
           </a:p>
@@ -1000,7 +1000,7 @@
           <a:p>
             <a:fld id="{78C97017-6FC3-485B-9764-EAC9E56C1D49}" type="datetimeFigureOut">
               <a:rPr lang="en-US" smtClean="0"/>
-              <a:t>4/13/2018</a:t>
+              <a:t>4/15/2018</a:t>
             </a:fld>
             <a:endParaRPr lang="en-US"/>
           </a:p>
@@ -1168,7 +1168,7 @@
           <a:p>
             <a:fld id="{78C97017-6FC3-485B-9764-EAC9E56C1D49}" type="datetimeFigureOut">
               <a:rPr lang="en-US" smtClean="0"/>
-              <a:t>4/13/2018</a:t>
+              <a:t>4/15/2018</a:t>
             </a:fld>
             <a:endParaRPr lang="en-US"/>
           </a:p>
@@ -1413,7 +1413,7 @@
           <a:p>
             <a:fld id="{78C97017-6FC3-485B-9764-EAC9E56C1D49}" type="datetimeFigureOut">
               <a:rPr lang="en-US" smtClean="0"/>
-              <a:t>4/13/2018</a:t>
+              <a:t>4/15/2018</a:t>
             </a:fld>
             <a:endParaRPr lang="en-US"/>
           </a:p>
@@ -1698,7 +1698,7 @@
           <a:p>
             <a:fld id="{78C97017-6FC3-485B-9764-EAC9E56C1D49}" type="datetimeFigureOut">
               <a:rPr lang="en-US" smtClean="0"/>
-              <a:t>4/13/2018</a:t>
+              <a:t>4/15/2018</a:t>
             </a:fld>
             <a:endParaRPr lang="en-US"/>
           </a:p>
@@ -2117,7 +2117,7 @@
           <a:p>
             <a:fld id="{78C97017-6FC3-485B-9764-EAC9E56C1D49}" type="datetimeFigureOut">
               <a:rPr lang="en-US" smtClean="0"/>
-              <a:t>4/13/2018</a:t>
+              <a:t>4/15/2018</a:t>
             </a:fld>
             <a:endParaRPr lang="en-US"/>
           </a:p>
@@ -2234,7 +2234,7 @@
           <a:p>
             <a:fld id="{78C97017-6FC3-485B-9764-EAC9E56C1D49}" type="datetimeFigureOut">
               <a:rPr lang="en-US" smtClean="0"/>
-              <a:t>4/13/2018</a:t>
+              <a:t>4/15/2018</a:t>
             </a:fld>
             <a:endParaRPr lang="en-US"/>
           </a:p>
@@ -2329,7 +2329,7 @@
           <a:p>
             <a:fld id="{78C97017-6FC3-485B-9764-EAC9E56C1D49}" type="datetimeFigureOut">
               <a:rPr lang="en-US" smtClean="0"/>
-              <a:t>4/13/2018</a:t>
+              <a:t>4/15/2018</a:t>
             </a:fld>
             <a:endParaRPr lang="en-US"/>
           </a:p>
@@ -2604,7 +2604,7 @@
           <a:p>
             <a:fld id="{78C97017-6FC3-485B-9764-EAC9E56C1D49}" type="datetimeFigureOut">
               <a:rPr lang="en-US" smtClean="0"/>
-              <a:t>4/13/2018</a:t>
+              <a:t>4/15/2018</a:t>
             </a:fld>
             <a:endParaRPr lang="en-US"/>
           </a:p>
@@ -2856,7 +2856,7 @@
           <a:p>
             <a:fld id="{78C97017-6FC3-485B-9764-EAC9E56C1D49}" type="datetimeFigureOut">
               <a:rPr lang="en-US" smtClean="0"/>
-              <a:t>4/13/2018</a:t>
+              <a:t>4/15/2018</a:t>
             </a:fld>
             <a:endParaRPr lang="en-US"/>
           </a:p>
@@ -3067,7 +3067,7 @@
           <a:p>
             <a:fld id="{78C97017-6FC3-485B-9764-EAC9E56C1D49}" type="datetimeFigureOut">
               <a:rPr lang="en-US" smtClean="0"/>
-              <a:t>4/13/2018</a:t>
+              <a:t>4/15/2018</a:t>
             </a:fld>
             <a:endParaRPr lang="en-US"/>
           </a:p>
@@ -3450,8 +3450,8 @@
         </p:nvSpPr>
         <p:spPr>
           <a:xfrm>
-            <a:off x="1143000" y="609600"/>
-            <a:ext cx="4917083" cy="5310604"/>
+            <a:off x="1143000" y="457202"/>
+            <a:ext cx="4917083" cy="5463002"/>
           </a:xfrm>
           <a:prstGeom prst="roundRect">
             <a:avLst>
@@ -3512,7 +3512,7 @@
         </p:nvSpPr>
         <p:spPr>
           <a:xfrm>
-            <a:off x="2021483" y="1503021"/>
+            <a:off x="2021483" y="1371600"/>
             <a:ext cx="1093635" cy="346760"/>
           </a:xfrm>
           <a:prstGeom prst="rect">
@@ -3632,7 +3632,7 @@
         </p:nvSpPr>
         <p:spPr>
           <a:xfrm>
-            <a:off x="2018377" y="932725"/>
+            <a:off x="2018377" y="762000"/>
             <a:ext cx="1093635" cy="346760"/>
           </a:xfrm>
           <a:prstGeom prst="rect">
@@ -3694,8 +3694,8 @@
         </p:nvCxnSpPr>
         <p:spPr>
           <a:xfrm rot="16200000" flipH="1">
-            <a:off x="2454980" y="1389700"/>
-            <a:ext cx="223536" cy="3106"/>
+            <a:off x="2435328" y="1238627"/>
+            <a:ext cx="262840" cy="3106"/>
           </a:xfrm>
           <a:prstGeom prst="bentConnector3">
             <a:avLst>
@@ -3825,8 +3825,8 @@
         </p:nvSpPr>
         <p:spPr>
           <a:xfrm rot="16200000">
-            <a:off x="5629364" y="1626678"/>
-            <a:ext cx="2362201" cy="328045"/>
+            <a:off x="5553165" y="1550478"/>
+            <a:ext cx="2514599" cy="328045"/>
           </a:xfrm>
           <a:prstGeom prst="roundRect">
             <a:avLst/>
@@ -4185,7 +4185,7 @@
         </p:nvSpPr>
         <p:spPr>
           <a:xfrm>
-            <a:off x="2250083" y="1868253"/>
+            <a:off x="2250083" y="1743427"/>
             <a:ext cx="183156" cy="161573"/>
           </a:xfrm>
           <a:prstGeom prst="flowChartDecision">
@@ -4236,8 +4236,8 @@
         </p:nvCxnSpPr>
         <p:spPr>
           <a:xfrm rot="16200000" flipH="1">
-            <a:off x="2318764" y="2052723"/>
-            <a:ext cx="222196" cy="176402"/>
+            <a:off x="2256351" y="1990310"/>
+            <a:ext cx="347022" cy="176402"/>
           </a:xfrm>
           <a:prstGeom prst="bentConnector2">
             <a:avLst/>
@@ -4338,8 +4338,8 @@
         </p:nvCxnSpPr>
         <p:spPr>
           <a:xfrm rot="16200000" flipH="1">
-            <a:off x="1835552" y="2535935"/>
-            <a:ext cx="1188620" cy="176402"/>
+            <a:off x="1773139" y="2473522"/>
+            <a:ext cx="1313446" cy="176402"/>
           </a:xfrm>
           <a:prstGeom prst="bentConnector2">
             <a:avLst/>
@@ -4379,8 +4379,8 @@
         </p:nvCxnSpPr>
         <p:spPr>
           <a:xfrm rot="16200000" flipH="1">
-            <a:off x="962346" y="3409141"/>
-            <a:ext cx="2935030" cy="176400"/>
+            <a:off x="899933" y="3346728"/>
+            <a:ext cx="3059856" cy="176400"/>
           </a:xfrm>
           <a:prstGeom prst="bentConnector2">
             <a:avLst/>
@@ -4420,8 +4420,8 @@
         </p:nvCxnSpPr>
         <p:spPr>
           <a:xfrm rot="16200000" flipH="1">
-            <a:off x="793934" y="3577552"/>
-            <a:ext cx="3271855" cy="176401"/>
+            <a:off x="731521" y="3515139"/>
+            <a:ext cx="3396681" cy="176401"/>
           </a:xfrm>
           <a:prstGeom prst="bentConnector2">
             <a:avLst/>
@@ -4461,8 +4461,8 @@
         </p:nvCxnSpPr>
         <p:spPr>
           <a:xfrm rot="16200000" flipH="1">
-            <a:off x="213132" y="3398990"/>
-            <a:ext cx="4203999" cy="405863"/>
+            <a:off x="316282" y="3502141"/>
+            <a:ext cx="3995464" cy="408097"/>
           </a:xfrm>
           <a:prstGeom prst="bentConnector2">
             <a:avLst/>
@@ -4499,7 +4499,7 @@
         </p:nvSpPr>
         <p:spPr>
           <a:xfrm>
-            <a:off x="5247757" y="932725"/>
+            <a:off x="5247757" y="914400"/>
             <a:ext cx="772043" cy="346760"/>
           </a:xfrm>
           <a:prstGeom prst="rect">
@@ -4786,7 +4786,7 @@
         </p:nvCxnSpPr>
         <p:spPr>
           <a:xfrm rot="5400000" flipH="1" flipV="1">
-            <a:off x="4520456" y="-1193260"/>
+            <a:off x="4520456" y="-1363985"/>
             <a:ext cx="170724" cy="4081246"/>
           </a:xfrm>
           <a:prstGeom prst="bentConnector2">
@@ -5006,8 +5006,8 @@
         </p:nvCxnSpPr>
         <p:spPr>
           <a:xfrm rot="10800000" flipV="1">
-            <a:off x="1428555" y="1106104"/>
-            <a:ext cx="589823" cy="341697"/>
+            <a:off x="1428555" y="935380"/>
+            <a:ext cx="589823" cy="512422"/>
           </a:xfrm>
           <a:prstGeom prst="bentConnector2">
             <a:avLst/>
@@ -5048,8 +5048,8 @@
         </p:nvCxnSpPr>
         <p:spPr>
           <a:xfrm rot="16200000" flipH="1">
-            <a:off x="2151645" y="2219841"/>
-            <a:ext cx="554704" cy="174673"/>
+            <a:off x="2089232" y="2157428"/>
+            <a:ext cx="679530" cy="174673"/>
           </a:xfrm>
           <a:prstGeom prst="bentConnector2">
             <a:avLst/>
@@ -6184,8 +6184,8 @@
         </p:nvCxnSpPr>
         <p:spPr>
           <a:xfrm rot="16200000" flipH="1">
-            <a:off x="1994316" y="2377170"/>
-            <a:ext cx="874008" cy="179319"/>
+            <a:off x="1931903" y="2314757"/>
+            <a:ext cx="998834" cy="179319"/>
           </a:xfrm>
           <a:prstGeom prst="bentConnector2">
             <a:avLst/>
@@ -6232,8 +6232,8 @@
         </p:nvCxnSpPr>
         <p:spPr>
           <a:xfrm rot="16200000" flipH="1">
-            <a:off x="1655511" y="2715975"/>
-            <a:ext cx="1553311" cy="181011"/>
+            <a:off x="1593098" y="2653562"/>
+            <a:ext cx="1678137" cy="181011"/>
           </a:xfrm>
           <a:prstGeom prst="bentConnector2">
             <a:avLst/>
@@ -6280,8 +6280,8 @@
         </p:nvCxnSpPr>
         <p:spPr>
           <a:xfrm rot="16200000" flipH="1">
-            <a:off x="1493659" y="2877827"/>
-            <a:ext cx="1877014" cy="181011"/>
+            <a:off x="1431246" y="2815414"/>
+            <a:ext cx="2001840" cy="181011"/>
           </a:xfrm>
           <a:prstGeom prst="bentConnector2">
             <a:avLst/>
@@ -6328,8 +6328,8 @@
         </p:nvCxnSpPr>
         <p:spPr>
           <a:xfrm rot="16200000" flipH="1">
-            <a:off x="1206330" y="3165156"/>
-            <a:ext cx="2445334" cy="174673"/>
+            <a:off x="1143917" y="3102743"/>
+            <a:ext cx="2570160" cy="174673"/>
           </a:xfrm>
           <a:prstGeom prst="bentConnector2">
             <a:avLst/>
@@ -6615,20 +6615,18 @@
           </p:cNvPr>
           <p:cNvCxnSpPr>
             <a:cxnSpLocks/>
-            <a:stCxn id="2" idx="2"/>
+            <a:stCxn id="2" idx="3"/>
             <a:endCxn id="16" idx="3"/>
           </p:cNvCxnSpPr>
           <p:nvPr/>
         </p:nvCxnSpPr>
         <p:spPr>
-          <a:xfrm rot="5400000" flipH="1" flipV="1">
-            <a:off x="3911134" y="104967"/>
-            <a:ext cx="401980" cy="3087647"/>
-          </a:xfrm>
-          <a:prstGeom prst="bentConnector3">
-            <a:avLst>
-              <a:gd name="adj1" fmla="val -38300"/>
-            </a:avLst>
+          <a:xfrm flipV="1">
+            <a:off x="3115118" y="1447801"/>
+            <a:ext cx="2540830" cy="97179"/>
+          </a:xfrm>
+          <a:prstGeom prst="bentConnector2">
+            <a:avLst/>
           </a:prstGeom>
           <a:ln w="6350">
             <a:solidFill>
@@ -6668,7 +6666,7 @@
         </p:nvSpPr>
         <p:spPr>
           <a:xfrm>
-            <a:off x="4091446" y="3573290"/>
+            <a:off x="4241449" y="3573290"/>
             <a:ext cx="1244951" cy="377561"/>
           </a:xfrm>
           <a:prstGeom prst="rect">
@@ -6758,7 +6756,7 @@
         <p:spPr>
           <a:xfrm>
             <a:off x="3762888" y="3583137"/>
-            <a:ext cx="328558" cy="178934"/>
+            <a:ext cx="478561" cy="178934"/>
           </a:xfrm>
           <a:prstGeom prst="bentConnector3">
             <a:avLst>
@@ -6809,7 +6807,7 @@
         <p:spPr>
           <a:xfrm flipV="1">
             <a:off x="3834836" y="3762071"/>
-            <a:ext cx="256610" cy="144769"/>
+            <a:ext cx="406613" cy="144769"/>
           </a:xfrm>
           <a:prstGeom prst="bentConnector3">
             <a:avLst>
@@ -6841,6 +6839,256 @@
           </a:fontRef>
         </p:style>
       </p:cxnSp>
+      <p:sp>
+        <p:nvSpPr>
+          <p:cNvPr id="70" name="Rectangle 11">
+            <a:extLst>
+              <a:ext uri="{FF2B5EF4-FFF2-40B4-BE49-F238E27FC236}">
+                <a16:creationId xmlns:a16="http://schemas.microsoft.com/office/drawing/2014/main" id="{96390FB8-6423-412F-A663-9DF3657281BE}"/>
+              </a:ext>
+            </a:extLst>
+          </p:cNvPr>
+          <p:cNvSpPr/>
+          <p:nvPr/>
+        </p:nvSpPr>
+        <p:spPr>
+          <a:xfrm>
+            <a:off x="2521874" y="1837550"/>
+            <a:ext cx="1290277" cy="217668"/>
+          </a:xfrm>
+          <a:prstGeom prst="rect">
+            <a:avLst/>
+          </a:prstGeom>
+          <a:ln w="19050">
+            <a:solidFill>
+              <a:schemeClr val="accent3"/>
+            </a:solidFill>
+          </a:ln>
+          <a:effectLst/>
+        </p:spPr>
+        <p:style>
+          <a:lnRef idx="1">
+            <a:schemeClr val="accent3"/>
+          </a:lnRef>
+          <a:fillRef idx="2">
+            <a:schemeClr val="accent3"/>
+          </a:fillRef>
+          <a:effectRef idx="1">
+            <a:schemeClr val="accent3"/>
+          </a:effectRef>
+          <a:fontRef idx="minor">
+            <a:schemeClr val="dk1"/>
+          </a:fontRef>
+        </p:style>
+        <p:txBody>
+          <a:bodyPr rtlCol="0" anchor="ctr"/>
+          <a:lstStyle/>
+          <a:p>
+            <a:pPr algn="ctr"/>
+            <a:r>
+              <a:rPr lang="en-US" sz="1050" b="1" dirty="0" err="1">
+                <a:solidFill>
+                  <a:schemeClr val="accent3">
+                    <a:lumMod val="75000"/>
+                  </a:schemeClr>
+                </a:solidFill>
+              </a:rPr>
+              <a:t>CommandBoxHints</a:t>
+            </a:r>
+            <a:endParaRPr lang="en-SG" sz="1050" b="1" dirty="0">
+              <a:solidFill>
+                <a:schemeClr val="accent3">
+                  <a:lumMod val="75000"/>
+                </a:schemeClr>
+              </a:solidFill>
+            </a:endParaRPr>
+          </a:p>
+        </p:txBody>
+      </p:sp>
+      <p:cxnSp>
+        <p:nvCxnSpPr>
+          <p:cNvPr id="71" name="Elbow Connector 63">
+            <a:extLst>
+              <a:ext uri="{FF2B5EF4-FFF2-40B4-BE49-F238E27FC236}">
+                <a16:creationId xmlns:a16="http://schemas.microsoft.com/office/drawing/2014/main" id="{0C65E745-7BD3-418A-8A44-DCC55062704D}"/>
+              </a:ext>
+            </a:extLst>
+          </p:cNvPr>
+          <p:cNvCxnSpPr>
+            <a:cxnSpLocks/>
+            <a:stCxn id="39" idx="2"/>
+            <a:endCxn id="70" idx="1"/>
+          </p:cNvCxnSpPr>
+          <p:nvPr/>
+        </p:nvCxnSpPr>
+        <p:spPr>
+          <a:xfrm rot="16200000" flipH="1">
+            <a:off x="2411075" y="1835585"/>
+            <a:ext cx="41384" cy="180213"/>
+          </a:xfrm>
+          <a:prstGeom prst="bentConnector2">
+            <a:avLst/>
+          </a:prstGeom>
+          <a:ln w="19050">
+            <a:solidFill>
+              <a:schemeClr val="accent3"/>
+            </a:solidFill>
+            <a:headEnd type="none" w="med" len="med"/>
+            <a:tailEnd type="arrow" w="med" len="med"/>
+          </a:ln>
+          <a:effectLst/>
+        </p:spPr>
+        <p:style>
+          <a:lnRef idx="1">
+            <a:schemeClr val="accent2"/>
+          </a:lnRef>
+          <a:fillRef idx="2">
+            <a:schemeClr val="accent2"/>
+          </a:fillRef>
+          <a:effectRef idx="1">
+            <a:schemeClr val="accent2"/>
+          </a:effectRef>
+          <a:fontRef idx="minor">
+            <a:schemeClr val="dk1"/>
+          </a:fontRef>
+        </p:style>
+      </p:cxnSp>
+      <p:cxnSp>
+        <p:nvCxnSpPr>
+          <p:cNvPr id="79" name="Elbow Connector 63">
+            <a:extLst>
+              <a:ext uri="{FF2B5EF4-FFF2-40B4-BE49-F238E27FC236}">
+                <a16:creationId xmlns:a16="http://schemas.microsoft.com/office/drawing/2014/main" id="{AE5C75EF-3BBE-4105-A2A0-E8354F2747BA}"/>
+              </a:ext>
+            </a:extLst>
+          </p:cNvPr>
+          <p:cNvCxnSpPr>
+            <a:cxnSpLocks/>
+            <a:stCxn id="16" idx="3"/>
+            <a:endCxn id="70" idx="3"/>
+          </p:cNvCxnSpPr>
+          <p:nvPr/>
+        </p:nvCxnSpPr>
+        <p:spPr>
+          <a:xfrm rot="5400000">
+            <a:off x="4484759" y="775194"/>
+            <a:ext cx="498583" cy="1843797"/>
+          </a:xfrm>
+          <a:prstGeom prst="bentConnector2">
+            <a:avLst/>
+          </a:prstGeom>
+          <a:ln w="6350">
+            <a:solidFill>
+              <a:schemeClr val="accent3"/>
+            </a:solidFill>
+            <a:headEnd type="none" w="med" len="med"/>
+            <a:tailEnd type="none" w="med" len="med"/>
+          </a:ln>
+          <a:effectLst/>
+        </p:spPr>
+        <p:style>
+          <a:lnRef idx="1">
+            <a:schemeClr val="accent2"/>
+          </a:lnRef>
+          <a:fillRef idx="2">
+            <a:schemeClr val="accent2"/>
+          </a:fillRef>
+          <a:effectRef idx="1">
+            <a:schemeClr val="accent2"/>
+          </a:effectRef>
+          <a:fontRef idx="minor">
+            <a:schemeClr val="dk1"/>
+          </a:fontRef>
+        </p:style>
+      </p:cxnSp>
+      <p:sp>
+        <p:nvSpPr>
+          <p:cNvPr id="80" name="Freeform 115">
+            <a:extLst>
+              <a:ext uri="{FF2B5EF4-FFF2-40B4-BE49-F238E27FC236}">
+                <a16:creationId xmlns:a16="http://schemas.microsoft.com/office/drawing/2014/main" id="{1D8EBDCF-5B7F-497D-B52B-356F942D8E1C}"/>
+              </a:ext>
+            </a:extLst>
+          </p:cNvPr>
+          <p:cNvSpPr/>
+          <p:nvPr/>
+        </p:nvSpPr>
+        <p:spPr>
+          <a:xfrm>
+            <a:off x="3611695" y="1732222"/>
+            <a:ext cx="3034746" cy="87899"/>
+          </a:xfrm>
+          <a:custGeom>
+            <a:avLst/>
+            <a:gdLst>
+              <a:gd name="connsiteX0" fmla="*/ 0 w 3048000"/>
+              <a:gd name="connsiteY0" fmla="*/ 203200 h 203200"/>
+              <a:gd name="connsiteX1" fmla="*/ 221673 w 3048000"/>
+              <a:gd name="connsiteY1" fmla="*/ 0 h 203200"/>
+              <a:gd name="connsiteX2" fmla="*/ 3048000 w 3048000"/>
+              <a:gd name="connsiteY2" fmla="*/ 0 h 203200"/>
+            </a:gdLst>
+            <a:ahLst/>
+            <a:cxnLst>
+              <a:cxn ang="0">
+                <a:pos x="connsiteX0" y="connsiteY0"/>
+              </a:cxn>
+              <a:cxn ang="0">
+                <a:pos x="connsiteX1" y="connsiteY1"/>
+              </a:cxn>
+              <a:cxn ang="0">
+                <a:pos x="connsiteX2" y="connsiteY2"/>
+              </a:cxn>
+            </a:cxnLst>
+            <a:rect l="l" t="t" r="r" b="b"/>
+            <a:pathLst>
+              <a:path w="3048000" h="203200">
+                <a:moveTo>
+                  <a:pt x="0" y="203200"/>
+                </a:moveTo>
+                <a:lnTo>
+                  <a:pt x="221673" y="0"/>
+                </a:lnTo>
+                <a:lnTo>
+                  <a:pt x="3048000" y="0"/>
+                </a:lnTo>
+              </a:path>
+            </a:pathLst>
+          </a:custGeom>
+          <a:noFill/>
+          <a:ln w="19050">
+            <a:solidFill>
+              <a:schemeClr val="accent3"/>
+            </a:solidFill>
+            <a:prstDash val="solid"/>
+            <a:headEnd type="none" w="med" len="med"/>
+            <a:tailEnd type="arrow" w="med" len="med"/>
+          </a:ln>
+          <a:effectLst/>
+        </p:spPr>
+        <p:style>
+          <a:lnRef idx="1">
+            <a:schemeClr val="accent2"/>
+          </a:lnRef>
+          <a:fillRef idx="2">
+            <a:schemeClr val="accent2"/>
+          </a:fillRef>
+          <a:effectRef idx="1">
+            <a:schemeClr val="accent2"/>
+          </a:effectRef>
+          <a:fontRef idx="minor">
+            <a:schemeClr val="dk1"/>
+          </a:fontRef>
+        </p:style>
+        <p:txBody>
+          <a:bodyPr rtlCol="0" anchor="ctr"/>
+          <a:lstStyle/>
+          <a:p>
+            <a:pPr algn="ctr"/>
+            <a:endParaRPr lang="en-SG"/>
+          </a:p>
+        </p:txBody>
+      </p:sp>
     </p:spTree>
     <p:extLst>
       <p:ext uri="{BB962C8B-B14F-4D97-AF65-F5344CB8AC3E}">
